--- a/poo.pptx
+++ b/poo.pptx
@@ -116,6 +116,11 @@
       </a:defRPr>
     </a:lvl9pPr>
   </p:defaultTextStyle>
+  <p:extLst>
+    <p:ext uri="{EFAFB233-063F-42B5-8137-9DF3F51BA10A}">
+      <p15:sldGuideLst xmlns:p15="http://schemas.microsoft.com/office/powerpoint/2012/main"/>
+    </p:ext>
+  </p:extLst>
 </p:presentation>
 </file>
 
@@ -3466,7 +3471,6 @@
               <a:rPr lang="es-ES" dirty="0" smtClean="0"/>
               <a:t>Problemas de implementación.</a:t>
             </a:r>
-            <a:endParaRPr lang="es-ES" dirty="0" smtClean="0"/>
           </a:p>
           <a:p>
             <a:pPr lvl="1"/>
@@ -3781,7 +3785,12 @@
             <p:ph idx="1"/>
           </p:nvPr>
         </p:nvSpPr>
-        <p:spPr/>
+        <p:spPr>
+          <a:xfrm>
+            <a:off x="838200" y="1825625"/>
+            <a:ext cx="6014292" cy="4351338"/>
+          </a:xfrm>
+        </p:spPr>
         <p:txBody>
           <a:bodyPr/>
           <a:lstStyle/>
@@ -3800,21 +3809,40 @@
             </a:pPr>
             <a:r>
               <a:rPr lang="es-ES" dirty="0" smtClean="0"/>
-              <a:t>Lo primero fue crear todos los paquetes y todas las clases vacías para, posteriormente rellenarlas.</a:t>
-            </a:r>
-          </a:p>
-          <a:p>
-            <a:pPr marL="0" indent="0" algn="just">
-              <a:buNone/>
-            </a:pPr>
-            <a:r>
-              <a:rPr lang="es-ES" dirty="0" smtClean="0"/>
-              <a:t>&lt;imagen paquetes y clases&gt;</a:t>
-            </a:r>
-            <a:endParaRPr lang="es-ES" dirty="0"/>
-          </a:p>
-        </p:txBody>
-      </p:sp>
+              <a:t>Lo primero fue crear todos los paquetes y todas las clases vacías para, posteriormente rellenarlas</a:t>
+            </a:r>
+            <a:r>
+              <a:rPr lang="es-ES" dirty="0" smtClean="0"/>
+              <a:t>.</a:t>
+            </a:r>
+            <a:endParaRPr lang="es-ES" dirty="0" smtClean="0"/>
+          </a:p>
+        </p:txBody>
+      </p:sp>
+      <p:pic>
+        <p:nvPicPr>
+          <p:cNvPr id="4" name="Imagen 3"/>
+          <p:cNvPicPr>
+            <a:picLocks noChangeAspect="1"/>
+          </p:cNvPicPr>
+          <p:nvPr/>
+        </p:nvPicPr>
+        <p:blipFill>
+          <a:blip r:embed="rId2"/>
+          <a:stretch>
+            <a:fillRect/>
+          </a:stretch>
+        </p:blipFill>
+        <p:spPr>
+          <a:xfrm>
+            <a:off x="8041395" y="806125"/>
+            <a:ext cx="2895600" cy="5591175"/>
+          </a:xfrm>
+          <a:prstGeom prst="rect">
+            <a:avLst/>
+          </a:prstGeom>
+        </p:spPr>
+      </p:pic>
     </p:spTree>
     <p:extLst>
       <p:ext uri="{BB962C8B-B14F-4D97-AF65-F5344CB8AC3E}">
@@ -3857,12 +3885,14 @@
         </p:nvSpPr>
         <p:spPr>
           <a:xfrm>
-            <a:off x="838200" y="638978"/>
-            <a:ext cx="10515600" cy="5537985"/>
+            <a:off x="838201" y="440676"/>
+            <a:ext cx="10951037" cy="821214"/>
           </a:xfrm>
         </p:spPr>
         <p:txBody>
-          <a:bodyPr/>
+          <a:bodyPr>
+            <a:normAutofit lnSpcReduction="10000"/>
+          </a:bodyPr>
           <a:lstStyle/>
           <a:p>
             <a:pPr marL="0" indent="0" algn="just">
@@ -3870,47 +3900,300 @@
             </a:pPr>
             <a:r>
               <a:rPr lang="es-ES" dirty="0" smtClean="0"/>
-              <a:t>Posteriormente he procedido a la creación de los métodos básicos, tales como el </a:t>
-            </a:r>
-            <a:r>
-              <a:rPr lang="es-ES" dirty="0" err="1" smtClean="0"/>
-              <a:t>main</a:t>
-            </a:r>
-            <a:r>
-              <a:rPr lang="es-ES" dirty="0" smtClean="0"/>
-              <a:t>, el simulador, y algunas de las utilidades.</a:t>
-            </a:r>
-          </a:p>
+              <a:t>Posteriormente he procedido a la creación de los métodos básicos, tales como el main, el simulador, y algunas de las utilidades</a:t>
+            </a:r>
+            <a:r>
+              <a:rPr lang="es-ES" dirty="0" smtClean="0"/>
+              <a:t>.</a:t>
+            </a:r>
+          </a:p>
+        </p:txBody>
+      </p:sp>
+      <p:pic>
+        <p:nvPicPr>
+          <p:cNvPr id="2" name="Imagen 1"/>
+          <p:cNvPicPr>
+            <a:picLocks noChangeAspect="1"/>
+          </p:cNvPicPr>
+          <p:nvPr/>
+        </p:nvPicPr>
+        <p:blipFill>
+          <a:blip r:embed="rId2"/>
+          <a:stretch>
+            <a:fillRect/>
+          </a:stretch>
+        </p:blipFill>
+        <p:spPr>
+          <a:xfrm>
+            <a:off x="5726440" y="1261890"/>
+            <a:ext cx="2740898" cy="1559193"/>
+          </a:xfrm>
+          <a:prstGeom prst="rect">
+            <a:avLst/>
+          </a:prstGeom>
+        </p:spPr>
+      </p:pic>
+      <p:pic>
+        <p:nvPicPr>
+          <p:cNvPr id="4" name="Imagen 3"/>
+          <p:cNvPicPr>
+            <a:picLocks noChangeAspect="1"/>
+          </p:cNvPicPr>
+          <p:nvPr/>
+        </p:nvPicPr>
+        <p:blipFill>
+          <a:blip r:embed="rId3"/>
+          <a:stretch>
+            <a:fillRect/>
+          </a:stretch>
+        </p:blipFill>
+        <p:spPr>
+          <a:xfrm>
+            <a:off x="968290" y="1261890"/>
+            <a:ext cx="4503558" cy="4455864"/>
+          </a:xfrm>
+          <a:prstGeom prst="rect">
+            <a:avLst/>
+          </a:prstGeom>
+        </p:spPr>
+      </p:pic>
+      <p:pic>
+        <p:nvPicPr>
+          <p:cNvPr id="5" name="Imagen 4"/>
+          <p:cNvPicPr>
+            <a:picLocks noChangeAspect="1"/>
+          </p:cNvPicPr>
+          <p:nvPr/>
+        </p:nvPicPr>
+        <p:blipFill>
+          <a:blip r:embed="rId4"/>
+          <a:stretch>
+            <a:fillRect/>
+          </a:stretch>
+        </p:blipFill>
+        <p:spPr>
+          <a:xfrm>
+            <a:off x="8789969" y="1261890"/>
+            <a:ext cx="3031399" cy="2402595"/>
+          </a:xfrm>
+          <a:prstGeom prst="rect">
+            <a:avLst/>
+          </a:prstGeom>
+        </p:spPr>
+      </p:pic>
+      <p:sp>
+        <p:nvSpPr>
+          <p:cNvPr id="6" name="Marcador de contenido 2"/>
+          <p:cNvSpPr txBox="1">
+            <a:spLocks/>
+          </p:cNvSpPr>
+          <p:nvPr/>
+        </p:nvSpPr>
+        <p:spPr>
+          <a:xfrm>
+            <a:off x="5629619" y="3833870"/>
+            <a:ext cx="6191750" cy="2688116"/>
+          </a:xfrm>
+          <a:prstGeom prst="rect">
+            <a:avLst/>
+          </a:prstGeom>
+        </p:spPr>
+        <p:txBody>
+          <a:bodyPr vert="horz" lIns="91440" tIns="45720" rIns="91440" bIns="45720" rtlCol="0">
+            <a:noAutofit/>
+          </a:bodyPr>
+          <a:lstStyle>
+            <a:lvl1pPr marL="228600" indent="-228600" algn="l" defTabSz="914400" rtl="0" eaLnBrk="1" latinLnBrk="0" hangingPunct="1">
+              <a:lnSpc>
+                <a:spcPct val="90000"/>
+              </a:lnSpc>
+              <a:spcBef>
+                <a:spcPts val="1000"/>
+              </a:spcBef>
+              <a:buFont typeface="Arial" panose="020B0604020202020204" pitchFamily="34" charset="0"/>
+              <a:buChar char="•"/>
+              <a:defRPr sz="2800" kern="1200">
+                <a:solidFill>
+                  <a:schemeClr val="tx1"/>
+                </a:solidFill>
+                <a:latin typeface="+mn-lt"/>
+                <a:ea typeface="+mn-ea"/>
+                <a:cs typeface="+mn-cs"/>
+              </a:defRPr>
+            </a:lvl1pPr>
+            <a:lvl2pPr marL="685800" indent="-228600" algn="l" defTabSz="914400" rtl="0" eaLnBrk="1" latinLnBrk="0" hangingPunct="1">
+              <a:lnSpc>
+                <a:spcPct val="90000"/>
+              </a:lnSpc>
+              <a:spcBef>
+                <a:spcPts val="500"/>
+              </a:spcBef>
+              <a:buFont typeface="Arial" panose="020B0604020202020204" pitchFamily="34" charset="0"/>
+              <a:buChar char="•"/>
+              <a:defRPr sz="2400" kern="1200">
+                <a:solidFill>
+                  <a:schemeClr val="tx1"/>
+                </a:solidFill>
+                <a:latin typeface="+mn-lt"/>
+                <a:ea typeface="+mn-ea"/>
+                <a:cs typeface="+mn-cs"/>
+              </a:defRPr>
+            </a:lvl2pPr>
+            <a:lvl3pPr marL="1143000" indent="-228600" algn="l" defTabSz="914400" rtl="0" eaLnBrk="1" latinLnBrk="0" hangingPunct="1">
+              <a:lnSpc>
+                <a:spcPct val="90000"/>
+              </a:lnSpc>
+              <a:spcBef>
+                <a:spcPts val="500"/>
+              </a:spcBef>
+              <a:buFont typeface="Arial" panose="020B0604020202020204" pitchFamily="34" charset="0"/>
+              <a:buChar char="•"/>
+              <a:defRPr sz="2000" kern="1200">
+                <a:solidFill>
+                  <a:schemeClr val="tx1"/>
+                </a:solidFill>
+                <a:latin typeface="+mn-lt"/>
+                <a:ea typeface="+mn-ea"/>
+                <a:cs typeface="+mn-cs"/>
+              </a:defRPr>
+            </a:lvl3pPr>
+            <a:lvl4pPr marL="1600200" indent="-228600" algn="l" defTabSz="914400" rtl="0" eaLnBrk="1" latinLnBrk="0" hangingPunct="1">
+              <a:lnSpc>
+                <a:spcPct val="90000"/>
+              </a:lnSpc>
+              <a:spcBef>
+                <a:spcPts val="500"/>
+              </a:spcBef>
+              <a:buFont typeface="Arial" panose="020B0604020202020204" pitchFamily="34" charset="0"/>
+              <a:buChar char="•"/>
+              <a:defRPr sz="1800" kern="1200">
+                <a:solidFill>
+                  <a:schemeClr val="tx1"/>
+                </a:solidFill>
+                <a:latin typeface="+mn-lt"/>
+                <a:ea typeface="+mn-ea"/>
+                <a:cs typeface="+mn-cs"/>
+              </a:defRPr>
+            </a:lvl4pPr>
+            <a:lvl5pPr marL="2057400" indent="-228600" algn="l" defTabSz="914400" rtl="0" eaLnBrk="1" latinLnBrk="0" hangingPunct="1">
+              <a:lnSpc>
+                <a:spcPct val="90000"/>
+              </a:lnSpc>
+              <a:spcBef>
+                <a:spcPts val="500"/>
+              </a:spcBef>
+              <a:buFont typeface="Arial" panose="020B0604020202020204" pitchFamily="34" charset="0"/>
+              <a:buChar char="•"/>
+              <a:defRPr sz="1800" kern="1200">
+                <a:solidFill>
+                  <a:schemeClr val="tx1"/>
+                </a:solidFill>
+                <a:latin typeface="+mn-lt"/>
+                <a:ea typeface="+mn-ea"/>
+                <a:cs typeface="+mn-cs"/>
+              </a:defRPr>
+            </a:lvl5pPr>
+            <a:lvl6pPr marL="2514600" indent="-228600" algn="l" defTabSz="914400" rtl="0" eaLnBrk="1" latinLnBrk="0" hangingPunct="1">
+              <a:lnSpc>
+                <a:spcPct val="90000"/>
+              </a:lnSpc>
+              <a:spcBef>
+                <a:spcPts val="500"/>
+              </a:spcBef>
+              <a:buFont typeface="Arial" panose="020B0604020202020204" pitchFamily="34" charset="0"/>
+              <a:buChar char="•"/>
+              <a:defRPr sz="1800" kern="1200">
+                <a:solidFill>
+                  <a:schemeClr val="tx1"/>
+                </a:solidFill>
+                <a:latin typeface="+mn-lt"/>
+                <a:ea typeface="+mn-ea"/>
+                <a:cs typeface="+mn-cs"/>
+              </a:defRPr>
+            </a:lvl6pPr>
+            <a:lvl7pPr marL="2971800" indent="-228600" algn="l" defTabSz="914400" rtl="0" eaLnBrk="1" latinLnBrk="0" hangingPunct="1">
+              <a:lnSpc>
+                <a:spcPct val="90000"/>
+              </a:lnSpc>
+              <a:spcBef>
+                <a:spcPts val="500"/>
+              </a:spcBef>
+              <a:buFont typeface="Arial" panose="020B0604020202020204" pitchFamily="34" charset="0"/>
+              <a:buChar char="•"/>
+              <a:defRPr sz="1800" kern="1200">
+                <a:solidFill>
+                  <a:schemeClr val="tx1"/>
+                </a:solidFill>
+                <a:latin typeface="+mn-lt"/>
+                <a:ea typeface="+mn-ea"/>
+                <a:cs typeface="+mn-cs"/>
+              </a:defRPr>
+            </a:lvl7pPr>
+            <a:lvl8pPr marL="3429000" indent="-228600" algn="l" defTabSz="914400" rtl="0" eaLnBrk="1" latinLnBrk="0" hangingPunct="1">
+              <a:lnSpc>
+                <a:spcPct val="90000"/>
+              </a:lnSpc>
+              <a:spcBef>
+                <a:spcPts val="500"/>
+              </a:spcBef>
+              <a:buFont typeface="Arial" panose="020B0604020202020204" pitchFamily="34" charset="0"/>
+              <a:buChar char="•"/>
+              <a:defRPr sz="1800" kern="1200">
+                <a:solidFill>
+                  <a:schemeClr val="tx1"/>
+                </a:solidFill>
+                <a:latin typeface="+mn-lt"/>
+                <a:ea typeface="+mn-ea"/>
+                <a:cs typeface="+mn-cs"/>
+              </a:defRPr>
+            </a:lvl8pPr>
+            <a:lvl9pPr marL="3886200" indent="-228600" algn="l" defTabSz="914400" rtl="0" eaLnBrk="1" latinLnBrk="0" hangingPunct="1">
+              <a:lnSpc>
+                <a:spcPct val="90000"/>
+              </a:lnSpc>
+              <a:spcBef>
+                <a:spcPts val="500"/>
+              </a:spcBef>
+              <a:buFont typeface="Arial" panose="020B0604020202020204" pitchFamily="34" charset="0"/>
+              <a:buChar char="•"/>
+              <a:defRPr sz="1800" kern="1200">
+                <a:solidFill>
+                  <a:schemeClr val="tx1"/>
+                </a:solidFill>
+                <a:latin typeface="+mn-lt"/>
+                <a:ea typeface="+mn-ea"/>
+                <a:cs typeface="+mn-cs"/>
+              </a:defRPr>
+            </a:lvl9pPr>
+          </a:lstStyle>
           <a:p>
             <a:pPr marL="0" indent="0" algn="just">
+              <a:buFont typeface="Arial" panose="020B0604020202020204" pitchFamily="34" charset="0"/>
               <a:buNone/>
             </a:pPr>
             <a:r>
-              <a:rPr lang="es-ES" dirty="0" smtClean="0"/>
-              <a:t>&lt;imágenes </a:t>
-            </a:r>
-            <a:r>
-              <a:rPr lang="es-ES" dirty="0" err="1" smtClean="0"/>
-              <a:t>main</a:t>
-            </a:r>
-            <a:r>
-              <a:rPr lang="es-ES" dirty="0" smtClean="0"/>
-              <a:t>/simulador/utilidades&gt;</a:t>
+              <a:rPr lang="es-ES" sz="2100" dirty="0" smtClean="0"/>
+              <a:t>Lo siguiente ha sido definir las herencias de cada una de las clases:</a:t>
             </a:r>
           </a:p>
           <a:p>
             <a:pPr marL="0" indent="0" algn="just">
+              <a:buFont typeface="Arial" panose="020B0604020202020204" pitchFamily="34" charset="0"/>
               <a:buNone/>
             </a:pPr>
-            <a:endParaRPr lang="es-ES" dirty="0"/>
+            <a:r>
+              <a:rPr lang="es-ES" sz="2100" dirty="0" smtClean="0"/>
+              <a:t>-De persona a GestorDeInversiones y Cliente.</a:t>
+            </a:r>
           </a:p>
           <a:p>
             <a:pPr marL="0" indent="0" algn="just">
+              <a:buFont typeface="Arial" panose="020B0604020202020204" pitchFamily="34" charset="0"/>
               <a:buNone/>
             </a:pPr>
             <a:r>
-              <a:rPr lang="es-ES" dirty="0" smtClean="0"/>
-              <a:t>Lo siguiente ha sido definir las herencias de cada una de las clases:</a:t>
+              <a:rPr lang="es-ES" sz="2100" dirty="0" smtClean="0"/>
+              <a:t>-De cliente a clientePremium.</a:t>
             </a:r>
           </a:p>
           <a:p>
@@ -3918,58 +4201,44 @@
               <a:buNone/>
             </a:pPr>
             <a:r>
-              <a:rPr lang="es-ES" dirty="0" smtClean="0"/>
-              <a:t>&lt;de persona a </a:t>
-            </a:r>
-            <a:r>
-              <a:rPr lang="es-ES" dirty="0" err="1" smtClean="0"/>
-              <a:t>broker</a:t>
-            </a:r>
-            <a:r>
-              <a:rPr lang="es-ES" dirty="0" smtClean="0"/>
-              <a:t> y cliente, y de cliente a </a:t>
-            </a:r>
-            <a:r>
-              <a:rPr lang="es-ES" dirty="0" err="1" smtClean="0"/>
-              <a:t>clientePremium</a:t>
-            </a:r>
-            <a:r>
-              <a:rPr lang="es-ES" dirty="0" smtClean="0"/>
-              <a:t>&gt;</a:t>
-            </a:r>
+              <a:rPr lang="es-ES" sz="2100" dirty="0" smtClean="0"/>
+              <a:t>-De Mensajes a Mensaje[</a:t>
+            </a:r>
+            <a:r>
+              <a:rPr lang="es-ES" sz="2100" dirty="0" err="1" smtClean="0"/>
+              <a:t>Actualizacion</a:t>
+            </a:r>
+            <a:r>
+              <a:rPr lang="es-ES" sz="2100" dirty="0" smtClean="0"/>
+              <a:t>/Compra/Venta].</a:t>
+            </a:r>
+            <a:endParaRPr lang="es-ES" sz="2100" dirty="0"/>
           </a:p>
           <a:p>
             <a:pPr marL="0" indent="0" algn="just">
               <a:buNone/>
             </a:pPr>
             <a:r>
-              <a:rPr lang="es-ES" dirty="0" smtClean="0"/>
-              <a:t>&lt;de mensajes a </a:t>
-            </a:r>
-            <a:r>
-              <a:rPr lang="es-ES" dirty="0" err="1" smtClean="0"/>
-              <a:t>MsgVenta</a:t>
-            </a:r>
-            <a:r>
-              <a:rPr lang="es-ES" dirty="0" smtClean="0"/>
-              <a:t>/compra/</a:t>
-            </a:r>
-            <a:r>
-              <a:rPr lang="es-ES" dirty="0" err="1" smtClean="0"/>
-              <a:t>Actualiz</a:t>
-            </a:r>
-            <a:r>
-              <a:rPr lang="es-ES" dirty="0" smtClean="0"/>
-              <a:t>. y de estos a </a:t>
-            </a:r>
-            <a:r>
-              <a:rPr lang="es-ES" dirty="0" err="1" smtClean="0"/>
-              <a:t>MsgResp</a:t>
-            </a:r>
-            <a:r>
-              <a:rPr lang="es-ES" dirty="0" smtClean="0"/>
-              <a:t>...&gt;</a:t>
-            </a:r>
+              <a:rPr lang="es-ES" sz="2100" dirty="0" smtClean="0"/>
+              <a:t>-De Mensaje[</a:t>
+            </a:r>
+            <a:r>
+              <a:rPr lang="es-ES" sz="2100" dirty="0" err="1" smtClean="0"/>
+              <a:t>Actualizacion</a:t>
+            </a:r>
+            <a:r>
+              <a:rPr lang="es-ES" sz="2100" dirty="0" smtClean="0"/>
+              <a:t>/Compra/Venta] a MensajeRespuesta[</a:t>
+            </a:r>
+            <a:r>
+              <a:rPr lang="es-ES" sz="2100" dirty="0" err="1" smtClean="0"/>
+              <a:t>Actualizacion</a:t>
+            </a:r>
+            <a:r>
+              <a:rPr lang="es-ES" sz="2100" dirty="0" smtClean="0"/>
+              <a:t>/Compra/Venta].</a:t>
+            </a:r>
+            <a:endParaRPr lang="es-ES" sz="2100" dirty="0" smtClean="0"/>
           </a:p>
         </p:txBody>
       </p:sp>
@@ -4015,12 +4284,14 @@
         </p:nvSpPr>
         <p:spPr>
           <a:xfrm>
-            <a:off x="838200" y="363557"/>
-            <a:ext cx="10515600" cy="5813406"/>
+            <a:off x="617860" y="363557"/>
+            <a:ext cx="3414313" cy="5813406"/>
           </a:xfrm>
         </p:spPr>
         <p:txBody>
-          <a:bodyPr/>
+          <a:bodyPr>
+            <a:normAutofit lnSpcReduction="10000"/>
+          </a:bodyPr>
           <a:lstStyle/>
           <a:p>
             <a:pPr marL="0" indent="0" algn="just">
@@ -4029,55 +4300,6 @@
             <a:r>
               <a:rPr lang="es-ES" dirty="0" smtClean="0"/>
               <a:t>A continuación he implementado los atributos y constructores tanto de los objetos principales, bolsa y banco, como de los objetos que usan.</a:t>
-            </a:r>
-          </a:p>
-          <a:p>
-            <a:pPr marL="0" indent="0" algn="just">
-              <a:buNone/>
-            </a:pPr>
-            <a:r>
-              <a:rPr lang="es-ES" dirty="0" smtClean="0"/>
-              <a:t>&lt;imágenes bolsa/empleado, banco/bróker/cliente/</a:t>
-            </a:r>
-            <a:r>
-              <a:rPr lang="es-ES" dirty="0" err="1" smtClean="0"/>
-              <a:t>paqueteAcciones</a:t>
-            </a:r>
-            <a:r>
-              <a:rPr lang="es-ES" dirty="0" smtClean="0"/>
-              <a:t>&gt;</a:t>
-            </a:r>
-          </a:p>
-          <a:p>
-            <a:pPr marL="0" indent="0" algn="just">
-              <a:buNone/>
-            </a:pPr>
-            <a:endParaRPr lang="es-ES" dirty="0"/>
-          </a:p>
-          <a:p>
-            <a:pPr marL="0" indent="0" algn="just">
-              <a:buNone/>
-            </a:pPr>
-            <a:r>
-              <a:rPr lang="es-ES" dirty="0" smtClean="0"/>
-              <a:t>Después he procedido a desarrollar cada uno de los métodos necesarios para el funcionamiento de la aplicación.</a:t>
-            </a:r>
-          </a:p>
-          <a:p>
-            <a:pPr marL="0" indent="0" algn="just">
-              <a:buNone/>
-            </a:pPr>
-            <a:r>
-              <a:rPr lang="es-ES" dirty="0" smtClean="0"/>
-              <a:t>&lt;</a:t>
-            </a:r>
-            <a:r>
-              <a:rPr lang="es-ES" dirty="0" err="1" smtClean="0"/>
-              <a:t>img</a:t>
-            </a:r>
-            <a:r>
-              <a:rPr lang="es-ES" dirty="0" smtClean="0"/>
-              <a:t> algunos métodos bolsa y banco&gt;</a:t>
             </a:r>
           </a:p>
           <a:p>
@@ -4087,10 +4309,76 @@
             <a:endParaRPr lang="es-ES" dirty="0" smtClean="0"/>
           </a:p>
           <a:p>
+            <a:pPr marL="0" indent="0" algn="just">
+              <a:buNone/>
+            </a:pPr>
+            <a:r>
+              <a:rPr lang="es-ES" dirty="0" smtClean="0"/>
+              <a:t>Después </a:t>
+            </a:r>
+            <a:r>
+              <a:rPr lang="es-ES" dirty="0" smtClean="0"/>
+              <a:t>he procedido a desarrollar cada uno de los métodos necesarios para el funcionamiento de la aplicación</a:t>
+            </a:r>
+            <a:r>
+              <a:rPr lang="es-ES" dirty="0" smtClean="0"/>
+              <a:t>.</a:t>
+            </a:r>
+            <a:endParaRPr lang="es-ES" dirty="0" smtClean="0"/>
+          </a:p>
+          <a:p>
             <a:endParaRPr lang="es-ES" dirty="0"/>
           </a:p>
         </p:txBody>
       </p:sp>
+      <p:pic>
+        <p:nvPicPr>
+          <p:cNvPr id="5" name="Imagen 4"/>
+          <p:cNvPicPr>
+            <a:picLocks noChangeAspect="1"/>
+          </p:cNvPicPr>
+          <p:nvPr/>
+        </p:nvPicPr>
+        <p:blipFill>
+          <a:blip r:embed="rId2"/>
+          <a:stretch>
+            <a:fillRect/>
+          </a:stretch>
+        </p:blipFill>
+        <p:spPr>
+          <a:xfrm>
+            <a:off x="4340157" y="363557"/>
+            <a:ext cx="3580662" cy="6185971"/>
+          </a:xfrm>
+          <a:prstGeom prst="rect">
+            <a:avLst/>
+          </a:prstGeom>
+        </p:spPr>
+      </p:pic>
+      <p:pic>
+        <p:nvPicPr>
+          <p:cNvPr id="6" name="Imagen 5"/>
+          <p:cNvPicPr>
+            <a:picLocks noChangeAspect="1"/>
+          </p:cNvPicPr>
+          <p:nvPr/>
+        </p:nvPicPr>
+        <p:blipFill>
+          <a:blip r:embed="rId3"/>
+          <a:stretch>
+            <a:fillRect/>
+          </a:stretch>
+        </p:blipFill>
+        <p:spPr>
+          <a:xfrm>
+            <a:off x="8077148" y="363557"/>
+            <a:ext cx="3541086" cy="6185971"/>
+          </a:xfrm>
+          <a:prstGeom prst="rect">
+            <a:avLst/>
+          </a:prstGeom>
+        </p:spPr>
+      </p:pic>
     </p:spTree>
     <p:extLst>
       <p:ext uri="{BB962C8B-B14F-4D97-AF65-F5344CB8AC3E}">

--- a/poo.pptx
+++ b/poo.pptx
@@ -16,8 +16,9 @@
     <p:sldId id="266" r:id="rId10"/>
     <p:sldId id="267" r:id="rId11"/>
     <p:sldId id="268" r:id="rId12"/>
-    <p:sldId id="269" r:id="rId13"/>
-    <p:sldId id="270" r:id="rId14"/>
+    <p:sldId id="271" r:id="rId13"/>
+    <p:sldId id="269" r:id="rId14"/>
+    <p:sldId id="270" r:id="rId15"/>
   </p:sldIdLst>
   <p:sldSz cx="12192000" cy="6858000"/>
   <p:notesSz cx="6858000" cy="9144000"/>
@@ -2428,9 +2429,29 @@
 <p:sldMaster xmlns:a="http://schemas.openxmlformats.org/drawingml/2006/main" xmlns:r="http://schemas.openxmlformats.org/officeDocument/2006/relationships" xmlns:p="http://schemas.openxmlformats.org/presentationml/2006/main">
   <p:cSld>
     <p:bg>
-      <p:bgRef idx="1001">
-        <a:schemeClr val="bg1"/>
-      </p:bgRef>
+      <p:bgPr>
+        <a:gradFill flip="none" rotWithShape="1">
+          <a:gsLst>
+            <a:gs pos="0">
+              <a:schemeClr val="accent1"/>
+            </a:gs>
+            <a:gs pos="35000">
+              <a:schemeClr val="accent2">
+                <a:lumMod val="0"/>
+                <a:lumOff val="100000"/>
+              </a:schemeClr>
+            </a:gs>
+            <a:gs pos="100000">
+              <a:schemeClr val="accent1"/>
+            </a:gs>
+          </a:gsLst>
+          <a:path path="circle">
+            <a:fillToRect r="100000" b="100000"/>
+          </a:path>
+          <a:tileRect l="-100000" t="-100000"/>
+        </a:gradFill>
+        <a:effectLst/>
+      </p:bgPr>
     </p:bg>
     <p:spTree>
       <p:nvGrpSpPr>
@@ -2983,53 +3004,142 @@
       </p:grpSpPr>
       <p:sp>
         <p:nvSpPr>
-          <p:cNvPr id="2" name="Título 1"/>
-          <p:cNvSpPr>
-            <a:spLocks noGrp="1"/>
-          </p:cNvSpPr>
-          <p:nvPr>
-            <p:ph type="ctrTitle"/>
-          </p:nvPr>
-        </p:nvSpPr>
-        <p:spPr/>
-        <p:txBody>
-          <a:bodyPr/>
-          <a:lstStyle/>
-          <a:p>
-            <a:r>
-              <a:rPr lang="es-ES" dirty="0" smtClean="0"/>
+          <p:cNvPr id="3" name="Subtítulo 2"/>
+          <p:cNvSpPr>
+            <a:spLocks noGrp="1"/>
+          </p:cNvSpPr>
+          <p:nvPr>
+            <p:ph type="subTitle" idx="1"/>
+          </p:nvPr>
+        </p:nvSpPr>
+        <p:spPr>
+          <a:xfrm>
+            <a:off x="1909823" y="3602036"/>
+            <a:ext cx="8542116" cy="2127431"/>
+          </a:xfrm>
+          <a:noFill/>
+        </p:spPr>
+        <p:txBody>
+          <a:bodyPr>
+            <a:normAutofit/>
+          </a:bodyPr>
+          <a:lstStyle/>
+          <a:p>
+            <a:r>
+              <a:rPr lang="es-ES" sz="2800" b="1" dirty="0" smtClean="0">
+                <a:solidFill>
+                  <a:srgbClr val="245A8C"/>
+                </a:solidFill>
+                <a:latin typeface="Arial" panose="020B0604020202020204" pitchFamily="34" charset="0"/>
+                <a:cs typeface="Arial" panose="020B0604020202020204" pitchFamily="34" charset="0"/>
+              </a:rPr>
+              <a:t>Universidad Rey Juan Carlos.</a:t>
+            </a:r>
+          </a:p>
+          <a:p>
+            <a:r>
+              <a:rPr lang="es-ES" sz="2800" b="1" dirty="0" smtClean="0">
+                <a:solidFill>
+                  <a:srgbClr val="245A8C"/>
+                </a:solidFill>
+                <a:latin typeface="Arial" panose="020B0604020202020204" pitchFamily="34" charset="0"/>
+                <a:cs typeface="Arial" panose="020B0604020202020204" pitchFamily="34" charset="0"/>
+              </a:rPr>
+              <a:t>Doble </a:t>
+            </a:r>
+            <a:r>
+              <a:rPr lang="es-ES" sz="2800" b="1" dirty="0" smtClean="0">
+                <a:solidFill>
+                  <a:srgbClr val="245A8C"/>
+                </a:solidFill>
+                <a:latin typeface="Arial" panose="020B0604020202020204" pitchFamily="34" charset="0"/>
+                <a:cs typeface="Arial" panose="020B0604020202020204" pitchFamily="34" charset="0"/>
+              </a:rPr>
+              <a:t>Grado en Ingeniería Informática e Ingeniería del Software.</a:t>
+            </a:r>
+          </a:p>
+          <a:p>
+            <a:r>
+              <a:rPr lang="es-ES" sz="2800" b="1" dirty="0" smtClean="0">
+                <a:solidFill>
+                  <a:srgbClr val="245A8C"/>
+                </a:solidFill>
+                <a:latin typeface="Arial" panose="020B0604020202020204" pitchFamily="34" charset="0"/>
+                <a:cs typeface="Arial" panose="020B0604020202020204" pitchFamily="34" charset="0"/>
+              </a:rPr>
+              <a:t>Práctica realizada por Marina Fernández Suárez.</a:t>
+            </a:r>
+            <a:endParaRPr lang="es-ES" sz="2800" b="1" dirty="0">
+              <a:solidFill>
+                <a:srgbClr val="245A8C"/>
+              </a:solidFill>
+              <a:latin typeface="Arial" panose="020B0604020202020204" pitchFamily="34" charset="0"/>
+              <a:cs typeface="Arial" panose="020B0604020202020204" pitchFamily="34" charset="0"/>
+            </a:endParaRPr>
+          </a:p>
+        </p:txBody>
+      </p:sp>
+      <p:sp>
+        <p:nvSpPr>
+          <p:cNvPr id="4" name="Rectángulo 3"/>
+          <p:cNvSpPr/>
+          <p:nvPr/>
+        </p:nvSpPr>
+        <p:spPr>
+          <a:xfrm>
+            <a:off x="1675870" y="860742"/>
+            <a:ext cx="9030712" cy="2308324"/>
+          </a:xfrm>
+          <a:prstGeom prst="rect">
+            <a:avLst/>
+          </a:prstGeom>
+          <a:noFill/>
+          <a:effectLst>
+            <a:outerShdw blurRad="50800" dist="50800" dir="5400000" algn="ctr" rotWithShape="0">
+              <a:schemeClr val="accent1">
+                <a:lumMod val="75000"/>
+              </a:schemeClr>
+            </a:outerShdw>
+          </a:effectLst>
+        </p:spPr>
+        <p:txBody>
+          <a:bodyPr wrap="square" lIns="91440" tIns="45720" rIns="91440" bIns="45720">
+            <a:spAutoFit/>
+            <a:scene3d>
+              <a:camera prst="orthographicFront"/>
+              <a:lightRig rig="harsh" dir="t"/>
+            </a:scene3d>
+            <a:sp3d extrusionH="57150" prstMaterial="matte">
+              <a:bevelT w="63500" h="12700" prst="angle"/>
+              <a:contourClr>
+                <a:schemeClr val="bg1">
+                  <a:lumMod val="65000"/>
+                </a:schemeClr>
+              </a:contourClr>
+            </a:sp3d>
+          </a:bodyPr>
+          <a:lstStyle/>
+          <a:p>
+            <a:pPr algn="ctr"/>
+            <a:r>
+              <a:rPr lang="es-ES" sz="7200" b="1" cap="none" spc="0" dirty="0" smtClean="0">
+                <a:ln/>
+                <a:solidFill>
+                  <a:srgbClr val="4B91D1"/>
+                </a:solidFill>
+                <a:latin typeface="Arial" panose="020B0604020202020204" pitchFamily="34" charset="0"/>
+                <a:cs typeface="Arial" panose="020B0604020202020204" pitchFamily="34" charset="0"/>
+              </a:rPr>
               <a:t>Programación Orientada a Objetos</a:t>
             </a:r>
-            <a:endParaRPr lang="es-ES" dirty="0"/>
-          </a:p>
-        </p:txBody>
-      </p:sp>
-      <p:sp>
-        <p:nvSpPr>
-          <p:cNvPr id="3" name="Subtítulo 2"/>
-          <p:cNvSpPr>
-            <a:spLocks noGrp="1"/>
-          </p:cNvSpPr>
-          <p:nvPr>
-            <p:ph type="subTitle" idx="1"/>
-          </p:nvPr>
-        </p:nvSpPr>
-        <p:spPr/>
-        <p:txBody>
-          <a:bodyPr/>
-          <a:lstStyle/>
-          <a:p>
-            <a:r>
-              <a:rPr lang="es-ES" dirty="0" smtClean="0"/>
-              <a:t>Doble Grado en Ingeniería Informática e Ingeniería del Software.</a:t>
-            </a:r>
-          </a:p>
-          <a:p>
-            <a:r>
-              <a:rPr lang="es-ES" dirty="0" smtClean="0"/>
-              <a:t>Práctica realizada por Marina Fernández Suárez.</a:t>
-            </a:r>
-            <a:endParaRPr lang="es-ES" dirty="0"/>
+            <a:endParaRPr lang="es-ES" sz="7200" b="1" cap="none" spc="0" dirty="0">
+              <a:ln/>
+              <a:solidFill>
+                <a:srgbClr val="4B91D1"/>
+              </a:solidFill>
+              <a:latin typeface="Arial" panose="020B0604020202020204" pitchFamily="34" charset="0"/>
+              <a:cs typeface="Arial" panose="020B0604020202020204" pitchFamily="34" charset="0"/>
+            </a:endParaRPr>
           </a:p>
         </p:txBody>
       </p:sp>
@@ -3078,11 +3188,28 @@
           <a:bodyPr/>
           <a:lstStyle/>
           <a:p>
-            <a:r>
-              <a:rPr lang="es-ES" dirty="0" smtClean="0"/>
+            <a:pPr algn="just"/>
+            <a:r>
+              <a:rPr lang="es-ES" b="1" u="sng" dirty="0" smtClean="0">
+                <a:solidFill>
+                  <a:schemeClr val="accent1">
+                    <a:lumMod val="75000"/>
+                  </a:schemeClr>
+                </a:solidFill>
+                <a:latin typeface="Arial" panose="020B0604020202020204" pitchFamily="34" charset="0"/>
+                <a:cs typeface="Arial" panose="020B0604020202020204" pitchFamily="34" charset="0"/>
+              </a:rPr>
               <a:t>Ejemplo de ejecución:</a:t>
             </a:r>
-            <a:endParaRPr lang="es-ES" dirty="0"/>
+            <a:endParaRPr lang="es-ES" b="1" u="sng" dirty="0">
+              <a:solidFill>
+                <a:schemeClr val="accent1">
+                  <a:lumMod val="75000"/>
+                </a:schemeClr>
+              </a:solidFill>
+              <a:latin typeface="Arial" panose="020B0604020202020204" pitchFamily="34" charset="0"/>
+              <a:cs typeface="Arial" panose="020B0604020202020204" pitchFamily="34" charset="0"/>
+            </a:endParaRPr>
           </a:p>
         </p:txBody>
       </p:sp>
@@ -3106,11 +3233,18 @@
           <a:bodyPr/>
           <a:lstStyle/>
           <a:p>
-            <a:r>
-              <a:rPr lang="es-ES" dirty="0" smtClean="0"/>
+            <a:pPr algn="just"/>
+            <a:r>
+              <a:rPr lang="es-ES" dirty="0" smtClean="0">
+                <a:latin typeface="Arial" panose="020B0604020202020204" pitchFamily="34" charset="0"/>
+                <a:cs typeface="Arial" panose="020B0604020202020204" pitchFamily="34" charset="0"/>
+              </a:rPr>
               <a:t>A continuación se muestran algunas imágenes de la ejecución:</a:t>
             </a:r>
-            <a:endParaRPr lang="es-ES" dirty="0"/>
+            <a:endParaRPr lang="es-ES" dirty="0">
+              <a:latin typeface="Arial" panose="020B0604020202020204" pitchFamily="34" charset="0"/>
+              <a:cs typeface="Arial" panose="020B0604020202020204" pitchFamily="34" charset="0"/>
+            </a:endParaRPr>
           </a:p>
         </p:txBody>
       </p:sp>
@@ -3190,68 +3324,160 @@
           <a:lstStyle/>
           <a:p>
             <a:r>
-              <a:rPr lang="es-ES" dirty="0" smtClean="0"/>
-              <a:t>Páginas consultadas.</a:t>
-            </a:r>
-            <a:endParaRPr lang="es-ES" dirty="0"/>
-          </a:p>
-        </p:txBody>
-      </p:sp>
-      <p:sp>
-        <p:nvSpPr>
-          <p:cNvPr id="3" name="Marcador de contenido 2"/>
-          <p:cNvSpPr>
-            <a:spLocks noGrp="1"/>
+              <a:rPr lang="es-ES" b="1" u="sng" dirty="0" smtClean="0">
+                <a:solidFill>
+                  <a:schemeClr val="accent1">
+                    <a:lumMod val="75000"/>
+                  </a:schemeClr>
+                </a:solidFill>
+                <a:latin typeface="Arial" panose="020B0604020202020204" pitchFamily="34" charset="0"/>
+                <a:cs typeface="Arial" panose="020B0604020202020204" pitchFamily="34" charset="0"/>
+              </a:rPr>
+              <a:t>Prueba con </a:t>
+            </a:r>
+            <a:r>
+              <a:rPr lang="es-ES" b="1" u="sng" dirty="0" err="1">
+                <a:solidFill>
+                  <a:schemeClr val="accent1">
+                    <a:lumMod val="75000"/>
+                  </a:schemeClr>
+                </a:solidFill>
+                <a:latin typeface="Arial" panose="020B0604020202020204" pitchFamily="34" charset="0"/>
+                <a:cs typeface="Arial" panose="020B0604020202020204" pitchFamily="34" charset="0"/>
+              </a:rPr>
+              <a:t>IntelliJ</a:t>
+            </a:r>
+            <a:r>
+              <a:rPr lang="es-ES" b="1" u="sng" dirty="0">
+                <a:solidFill>
+                  <a:schemeClr val="accent1">
+                    <a:lumMod val="75000"/>
+                  </a:schemeClr>
+                </a:solidFill>
+                <a:latin typeface="Arial" panose="020B0604020202020204" pitchFamily="34" charset="0"/>
+                <a:cs typeface="Arial" panose="020B0604020202020204" pitchFamily="34" charset="0"/>
+              </a:rPr>
+              <a:t> </a:t>
+            </a:r>
+            <a:r>
+              <a:rPr lang="es-ES" b="1" u="sng" dirty="0" smtClean="0">
+                <a:solidFill>
+                  <a:schemeClr val="accent1">
+                    <a:lumMod val="75000"/>
+                  </a:schemeClr>
+                </a:solidFill>
+                <a:latin typeface="Arial" panose="020B0604020202020204" pitchFamily="34" charset="0"/>
+                <a:cs typeface="Arial" panose="020B0604020202020204" pitchFamily="34" charset="0"/>
+              </a:rPr>
+              <a:t>Idea:</a:t>
+            </a:r>
+            <a:endParaRPr lang="es-ES" b="1" u="sng" dirty="0">
+              <a:solidFill>
+                <a:schemeClr val="accent1">
+                  <a:lumMod val="75000"/>
+                </a:schemeClr>
+              </a:solidFill>
+              <a:latin typeface="Arial" panose="020B0604020202020204" pitchFamily="34" charset="0"/>
+              <a:cs typeface="Arial" panose="020B0604020202020204" pitchFamily="34" charset="0"/>
+            </a:endParaRPr>
+          </a:p>
+        </p:txBody>
+      </p:sp>
+      <p:sp>
+        <p:nvSpPr>
+          <p:cNvPr id="4" name="AutoShape 2" descr="blob:https://web.whatsapp.com/0f611ddb-c462-4155-b435-2b07691f8f04"/>
+          <p:cNvSpPr>
+            <a:spLocks noGrp="1" noChangeAspect="1" noChangeArrowheads="1"/>
           </p:cNvSpPr>
           <p:nvPr>
             <p:ph idx="1"/>
           </p:nvPr>
         </p:nvSpPr>
-        <p:spPr/>
-        <p:txBody>
-          <a:bodyPr/>
-          <a:lstStyle/>
-          <a:p>
-            <a:r>
-              <a:rPr lang="es-ES" dirty="0" smtClean="0"/>
-              <a:t>Las páginas que más he consultado para buscar información sobre como realizar alguna acción, o cómo solventar algún problema son, principalmente, dos páginas:</a:t>
-            </a:r>
-          </a:p>
-          <a:p>
-            <a:pPr lvl="1"/>
+        <p:spPr bwMode="auto">
+          <a:xfrm>
+            <a:off x="838199" y="1531344"/>
+            <a:ext cx="3548605" cy="4645619"/>
+          </a:xfrm>
+          <a:prstGeom prst="rect">
+            <a:avLst/>
+          </a:prstGeom>
+          <a:noFill/>
+          <a:extLst>
+            <a:ext uri="{909E8E84-426E-40DD-AFC4-6F175D3DCCD1}">
+              <a14:hiddenFill xmlns:a14="http://schemas.microsoft.com/office/drawing/2010/main">
+                <a:solidFill>
+                  <a:srgbClr val="FFFFFF"/>
+                </a:solidFill>
+              </a14:hiddenFill>
+            </a:ext>
+          </a:extLst>
+        </p:spPr>
+        <p:txBody>
+          <a:bodyPr vert="horz" wrap="square" lIns="91440" tIns="45720" rIns="91440" bIns="45720" numCol="1" anchor="t" anchorCtr="0" compatLnSpc="1">
+            <a:prstTxWarp prst="textNoShape">
+              <a:avLst/>
+            </a:prstTxWarp>
+            <a:normAutofit/>
+          </a:bodyPr>
+          <a:lstStyle/>
+          <a:p>
+            <a:pPr marL="0" indent="0" algn="just">
+              <a:buNone/>
+            </a:pPr>
             <a:r>
               <a:rPr lang="es-ES" dirty="0" smtClean="0">
-                <a:hlinkClick r:id="rId2"/>
-              </a:rPr>
-              <a:t>https://es.stackoverflow.com/</a:t>
-            </a:r>
-            <a:endParaRPr lang="es-ES" dirty="0" smtClean="0"/>
-          </a:p>
-          <a:p>
-            <a:pPr lvl="1"/>
+                <a:latin typeface="Arial" panose="020B0604020202020204" pitchFamily="34" charset="0"/>
+                <a:cs typeface="Arial" panose="020B0604020202020204" pitchFamily="34" charset="0"/>
+              </a:rPr>
+              <a:t>Tal y como se indica en la entrega, he realizado una prueba con InteliJ Idea.</a:t>
+            </a:r>
+          </a:p>
+          <a:p>
+            <a:pPr marL="0" indent="0" algn="just">
+              <a:buNone/>
+            </a:pPr>
             <a:r>
               <a:rPr lang="es-ES" dirty="0" smtClean="0">
-                <a:hlinkClick r:id="rId3"/>
-              </a:rPr>
-              <a:t>https://docs.oracle.com/en/java/</a:t>
-            </a:r>
-            <a:endParaRPr lang="es-ES" dirty="0"/>
-          </a:p>
-          <a:p>
-            <a:pPr marL="0" indent="0">
-              <a:buNone/>
-            </a:pPr>
-            <a:r>
-              <a:rPr lang="es-ES" dirty="0" smtClean="0"/>
-              <a:t>La primera es un conocido foro de informática, y la segunda es la documentación oficial de Oracle.</a:t>
-            </a:r>
-          </a:p>
-        </p:txBody>
-      </p:sp>
+                <a:latin typeface="Arial" panose="020B0604020202020204" pitchFamily="34" charset="0"/>
+                <a:cs typeface="Arial" panose="020B0604020202020204" pitchFamily="34" charset="0"/>
+              </a:rPr>
+              <a:t>Ésta no ha presentado ningún problema, ya que ha funcionado correctamente.</a:t>
+            </a:r>
+            <a:endParaRPr lang="es-ES" dirty="0">
+              <a:latin typeface="Arial" panose="020B0604020202020204" pitchFamily="34" charset="0"/>
+              <a:cs typeface="Arial" panose="020B0604020202020204" pitchFamily="34" charset="0"/>
+            </a:endParaRPr>
+          </a:p>
+        </p:txBody>
+      </p:sp>
+      <p:pic>
+        <p:nvPicPr>
+          <p:cNvPr id="6" name="Imagen 5"/>
+          <p:cNvPicPr>
+            <a:picLocks noChangeAspect="1"/>
+          </p:cNvPicPr>
+          <p:nvPr/>
+        </p:nvPicPr>
+        <p:blipFill>
+          <a:blip r:embed="rId2"/>
+          <a:stretch>
+            <a:fillRect/>
+          </a:stretch>
+        </p:blipFill>
+        <p:spPr>
+          <a:xfrm>
+            <a:off x="4606724" y="1531344"/>
+            <a:ext cx="7104130" cy="4560984"/>
+          </a:xfrm>
+          <a:prstGeom prst="rect">
+            <a:avLst/>
+          </a:prstGeom>
+        </p:spPr>
+      </p:pic>
     </p:spTree>
     <p:extLst>
       <p:ext uri="{BB962C8B-B14F-4D97-AF65-F5344CB8AC3E}">
-        <p14:creationId xmlns:p14="http://schemas.microsoft.com/office/powerpoint/2010/main" val="2332928886"/>
+        <p14:creationId xmlns:p14="http://schemas.microsoft.com/office/powerpoint/2010/main" val="3676323964"/>
       </p:ext>
     </p:extLst>
   </p:cSld>
@@ -3293,11 +3519,199 @@
           <a:bodyPr/>
           <a:lstStyle/>
           <a:p>
-            <a:r>
-              <a:rPr lang="es-ES" dirty="0" smtClean="0"/>
+            <a:pPr algn="just"/>
+            <a:r>
+              <a:rPr lang="es-ES" b="1" u="sng" dirty="0" smtClean="0">
+                <a:solidFill>
+                  <a:schemeClr val="accent1">
+                    <a:lumMod val="75000"/>
+                  </a:schemeClr>
+                </a:solidFill>
+                <a:latin typeface="Arial" panose="020B0604020202020204" pitchFamily="34" charset="0"/>
+                <a:cs typeface="Arial" panose="020B0604020202020204" pitchFamily="34" charset="0"/>
+              </a:rPr>
+              <a:t>Páginas </a:t>
+            </a:r>
+            <a:r>
+              <a:rPr lang="es-ES" b="1" u="sng" dirty="0" smtClean="0">
+                <a:solidFill>
+                  <a:schemeClr val="accent1">
+                    <a:lumMod val="75000"/>
+                  </a:schemeClr>
+                </a:solidFill>
+                <a:latin typeface="Arial" panose="020B0604020202020204" pitchFamily="34" charset="0"/>
+                <a:cs typeface="Arial" panose="020B0604020202020204" pitchFamily="34" charset="0"/>
+              </a:rPr>
+              <a:t>consultadas:</a:t>
+            </a:r>
+            <a:endParaRPr lang="es-ES" b="1" u="sng" dirty="0">
+              <a:solidFill>
+                <a:schemeClr val="accent1">
+                  <a:lumMod val="75000"/>
+                </a:schemeClr>
+              </a:solidFill>
+              <a:latin typeface="Arial" panose="020B0604020202020204" pitchFamily="34" charset="0"/>
+              <a:cs typeface="Arial" panose="020B0604020202020204" pitchFamily="34" charset="0"/>
+            </a:endParaRPr>
+          </a:p>
+        </p:txBody>
+      </p:sp>
+      <p:sp>
+        <p:nvSpPr>
+          <p:cNvPr id="3" name="Marcador de contenido 2"/>
+          <p:cNvSpPr>
+            <a:spLocks noGrp="1"/>
+          </p:cNvSpPr>
+          <p:nvPr>
+            <p:ph idx="1"/>
+          </p:nvPr>
+        </p:nvSpPr>
+        <p:spPr/>
+        <p:txBody>
+          <a:bodyPr/>
+          <a:lstStyle/>
+          <a:p>
+            <a:pPr marL="0" indent="0" algn="just">
+              <a:buNone/>
+            </a:pPr>
+            <a:r>
+              <a:rPr lang="es-ES" dirty="0" smtClean="0">
+                <a:latin typeface="Arial" panose="020B0604020202020204" pitchFamily="34" charset="0"/>
+                <a:cs typeface="Arial" panose="020B0604020202020204" pitchFamily="34" charset="0"/>
+              </a:rPr>
+              <a:t>A parte de los apuntes de clase, y apuntes facilitados por otros compañeros, he consultado algunas páginas para la realización de la práctica.</a:t>
+            </a:r>
+          </a:p>
+          <a:p>
+            <a:pPr marL="0" indent="0" algn="just">
+              <a:buNone/>
+            </a:pPr>
+            <a:r>
+              <a:rPr lang="es-ES" dirty="0" smtClean="0">
+                <a:latin typeface="Arial" panose="020B0604020202020204" pitchFamily="34" charset="0"/>
+                <a:cs typeface="Arial" panose="020B0604020202020204" pitchFamily="34" charset="0"/>
+              </a:rPr>
+              <a:t>Las </a:t>
+            </a:r>
+            <a:r>
+              <a:rPr lang="es-ES" dirty="0" smtClean="0">
+                <a:latin typeface="Arial" panose="020B0604020202020204" pitchFamily="34" charset="0"/>
+                <a:cs typeface="Arial" panose="020B0604020202020204" pitchFamily="34" charset="0"/>
+              </a:rPr>
+              <a:t>páginas que más he consultado para buscar información sobre como realizar alguna acción, o cómo solventar algún problema son, principalmente, dos páginas:</a:t>
+            </a:r>
+          </a:p>
+          <a:p>
+            <a:pPr lvl="1" algn="just"/>
+            <a:r>
+              <a:rPr lang="es-ES" dirty="0" smtClean="0">
+                <a:latin typeface="Arial" panose="020B0604020202020204" pitchFamily="34" charset="0"/>
+                <a:cs typeface="Arial" panose="020B0604020202020204" pitchFamily="34" charset="0"/>
+                <a:hlinkClick r:id="rId2"/>
+              </a:rPr>
+              <a:t>https://es.stackoverflow.com/</a:t>
+            </a:r>
+            <a:endParaRPr lang="es-ES" dirty="0" smtClean="0">
+              <a:latin typeface="Arial" panose="020B0604020202020204" pitchFamily="34" charset="0"/>
+              <a:cs typeface="Arial" panose="020B0604020202020204" pitchFamily="34" charset="0"/>
+            </a:endParaRPr>
+          </a:p>
+          <a:p>
+            <a:pPr lvl="1" algn="just"/>
+            <a:r>
+              <a:rPr lang="es-ES" dirty="0" smtClean="0">
+                <a:latin typeface="Arial" panose="020B0604020202020204" pitchFamily="34" charset="0"/>
+                <a:cs typeface="Arial" panose="020B0604020202020204" pitchFamily="34" charset="0"/>
+                <a:hlinkClick r:id="rId3"/>
+              </a:rPr>
+              <a:t>https://docs.oracle.com/en/java/</a:t>
+            </a:r>
+            <a:endParaRPr lang="es-ES" dirty="0">
+              <a:latin typeface="Arial" panose="020B0604020202020204" pitchFamily="34" charset="0"/>
+              <a:cs typeface="Arial" panose="020B0604020202020204" pitchFamily="34" charset="0"/>
+            </a:endParaRPr>
+          </a:p>
+          <a:p>
+            <a:pPr marL="0" indent="0" algn="just">
+              <a:buNone/>
+            </a:pPr>
+            <a:r>
+              <a:rPr lang="es-ES" dirty="0" smtClean="0">
+                <a:latin typeface="Arial" panose="020B0604020202020204" pitchFamily="34" charset="0"/>
+                <a:cs typeface="Arial" panose="020B0604020202020204" pitchFamily="34" charset="0"/>
+              </a:rPr>
+              <a:t>La primera es un conocido foro de informática, y la segunda es la documentación oficial de Oracle.</a:t>
+            </a:r>
+          </a:p>
+        </p:txBody>
+      </p:sp>
+    </p:spTree>
+    <p:extLst>
+      <p:ext uri="{BB962C8B-B14F-4D97-AF65-F5344CB8AC3E}">
+        <p14:creationId xmlns:p14="http://schemas.microsoft.com/office/powerpoint/2010/main" val="2332928886"/>
+      </p:ext>
+    </p:extLst>
+  </p:cSld>
+  <p:clrMapOvr>
+    <a:masterClrMapping/>
+  </p:clrMapOvr>
+</p:sld>
+</file>
+
+<file path=ppt/slides/slide14.xml><?xml version="1.0" encoding="utf-8"?>
+<p:sld xmlns:a="http://schemas.openxmlformats.org/drawingml/2006/main" xmlns:r="http://schemas.openxmlformats.org/officeDocument/2006/relationships" xmlns:p="http://schemas.openxmlformats.org/presentationml/2006/main">
+  <p:cSld>
+    <p:spTree>
+      <p:nvGrpSpPr>
+        <p:cNvPr id="1" name=""/>
+        <p:cNvGrpSpPr/>
+        <p:nvPr/>
+      </p:nvGrpSpPr>
+      <p:grpSpPr>
+        <a:xfrm>
+          <a:off x="0" y="0"/>
+          <a:ext cx="0" cy="0"/>
+          <a:chOff x="0" y="0"/>
+          <a:chExt cx="0" cy="0"/>
+        </a:xfrm>
+      </p:grpSpPr>
+      <p:sp>
+        <p:nvSpPr>
+          <p:cNvPr id="2" name="Título 1"/>
+          <p:cNvSpPr>
+            <a:spLocks noGrp="1"/>
+          </p:cNvSpPr>
+          <p:nvPr>
+            <p:ph type="title"/>
+          </p:nvPr>
+        </p:nvSpPr>
+        <p:spPr/>
+        <p:txBody>
+          <a:bodyPr/>
+          <a:lstStyle/>
+          <a:p>
+            <a:pPr algn="just"/>
+            <a:r>
+              <a:rPr lang="es-ES" b="1" u="sng" dirty="0" smtClean="0">
+                <a:solidFill>
+                  <a:schemeClr val="accent1">
+                    <a:lumMod val="75000"/>
+                  </a:schemeClr>
+                </a:solidFill>
+                <a:latin typeface="Arial" panose="020B0604020202020204" pitchFamily="34" charset="0"/>
+                <a:cs typeface="Arial" panose="020B0604020202020204" pitchFamily="34" charset="0"/>
+              </a:rPr>
               <a:t>Conclusiones:</a:t>
             </a:r>
-            <a:endParaRPr lang="es-ES" dirty="0"/>
+            <a:endParaRPr lang="es-ES" b="1" u="sng" dirty="0">
+              <a:solidFill>
+                <a:schemeClr val="accent1">
+                  <a:lumMod val="75000"/>
+                </a:schemeClr>
+              </a:solidFill>
+              <a:latin typeface="Arial" panose="020B0604020202020204" pitchFamily="34" charset="0"/>
+              <a:cs typeface="Arial" panose="020B0604020202020204" pitchFamily="34" charset="0"/>
+            </a:endParaRPr>
           </a:p>
         </p:txBody>
       </p:sp>
@@ -3313,64 +3727,47 @@
         </p:nvSpPr>
         <p:spPr/>
         <p:txBody>
-          <a:bodyPr/>
-          <a:lstStyle/>
-          <a:p>
-            <a:r>
-              <a:rPr lang="es-ES" dirty="0" smtClean="0"/>
+          <a:bodyPr>
+            <a:normAutofit lnSpcReduction="10000"/>
+          </a:bodyPr>
+          <a:lstStyle/>
+          <a:p>
+            <a:pPr algn="just"/>
+            <a:r>
+              <a:rPr lang="es-ES" dirty="0" smtClean="0">
+                <a:latin typeface="Arial" panose="020B0604020202020204" pitchFamily="34" charset="0"/>
+                <a:cs typeface="Arial" panose="020B0604020202020204" pitchFamily="34" charset="0"/>
+              </a:rPr>
               <a:t>La práctica en sí no es compleja, una vez comprendidas las necesidades de la misma, la mayor complicación que presenta reside en ver como aplicar correctamente la programación Orientada a Objetos, y en cómo comunicarlos adecuadamente.</a:t>
             </a:r>
           </a:p>
           <a:p>
-            <a:r>
-              <a:rPr lang="es-ES" dirty="0" smtClean="0"/>
-              <a:t>He desarrollado la práctica con el </a:t>
-            </a:r>
-            <a:r>
-              <a:rPr lang="es-ES" dirty="0" err="1" smtClean="0"/>
-              <a:t>ide</a:t>
-            </a:r>
-            <a:r>
-              <a:rPr lang="es-ES" dirty="0" smtClean="0"/>
+            <a:pPr algn="just"/>
+            <a:r>
+              <a:rPr lang="es-ES" dirty="0" smtClean="0">
+                <a:latin typeface="Arial" panose="020B0604020202020204" pitchFamily="34" charset="0"/>
+                <a:cs typeface="Arial" panose="020B0604020202020204" pitchFamily="34" charset="0"/>
+              </a:rPr>
+              <a:t>He desarrollado la práctica con el ide EclipseOxigen principalmente, pero también con el SublimeTest</a:t>
+            </a:r>
+            <a:r>
+              <a:rPr lang="es-ES" dirty="0">
+                <a:latin typeface="Arial" panose="020B0604020202020204" pitchFamily="34" charset="0"/>
+                <a:cs typeface="Arial" panose="020B0604020202020204" pitchFamily="34" charset="0"/>
+              </a:rPr>
               <a:t> </a:t>
             </a:r>
             <a:r>
-              <a:rPr lang="es-ES" dirty="0" err="1" smtClean="0"/>
-              <a:t>EclipseOxigen</a:t>
-            </a:r>
-            <a:r>
-              <a:rPr lang="es-ES" dirty="0" smtClean="0"/>
-              <a:t> principalmente, pero también con el </a:t>
-            </a:r>
-            <a:r>
-              <a:rPr lang="es-ES" dirty="0" err="1" smtClean="0"/>
-              <a:t>SublimeTest</a:t>
-            </a:r>
-            <a:r>
-              <a:rPr lang="es-ES" dirty="0"/>
-              <a:t> </a:t>
-            </a:r>
-            <a:r>
-              <a:rPr lang="es-ES" dirty="0" smtClean="0"/>
-              <a:t>cuando no he podido tener acceso a mi ordenador personal, siendo mucho más fácil en este último tener errores de compilación tales como nombrar incorrectamente un método (erratas), u olvidar algún detalle (como los paréntesis al final de la inicialización de los </a:t>
-            </a:r>
-            <a:r>
-              <a:rPr lang="es-ES" dirty="0" err="1" smtClean="0"/>
-              <a:t>ArrayList</a:t>
-            </a:r>
-            <a:r>
-              <a:rPr lang="es-ES" dirty="0" smtClean="0"/>
-              <a:t>), o </a:t>
-            </a:r>
-            <a:r>
-              <a:rPr lang="es-ES" dirty="0" err="1" smtClean="0"/>
-              <a:t>import</a:t>
-            </a:r>
-            <a:r>
-              <a:rPr lang="es-ES" dirty="0" smtClean="0"/>
-              <a:t>.</a:t>
-            </a:r>
-            <a:endParaRPr lang="es-ES" dirty="0"/>
+              <a:rPr lang="es-ES" dirty="0" smtClean="0">
+                <a:latin typeface="Arial" panose="020B0604020202020204" pitchFamily="34" charset="0"/>
+                <a:cs typeface="Arial" panose="020B0604020202020204" pitchFamily="34" charset="0"/>
+              </a:rPr>
+              <a:t>cuando no he podido tener acceso a mi ordenador personal, siendo mucho más fácil en este último tener errores de compilación tales como nombrar incorrectamente un método (erratas), u olvidar algún detalle (como los paréntesis al final de la inicialización de los ArrayList), o import.</a:t>
+            </a:r>
+            <a:endParaRPr lang="es-ES" dirty="0">
+              <a:latin typeface="Arial" panose="020B0604020202020204" pitchFamily="34" charset="0"/>
+              <a:cs typeface="Arial" panose="020B0604020202020204" pitchFamily="34" charset="0"/>
+            </a:endParaRPr>
           </a:p>
         </p:txBody>
       </p:sp>
@@ -3414,16 +3811,37 @@
             <p:ph type="title"/>
           </p:nvPr>
         </p:nvSpPr>
-        <p:spPr/>
-        <p:txBody>
-          <a:bodyPr/>
-          <a:lstStyle/>
-          <a:p>
-            <a:r>
-              <a:rPr lang="es-ES" dirty="0" smtClean="0"/>
-              <a:t>Índice</a:t>
-            </a:r>
-            <a:endParaRPr lang="es-ES" dirty="0"/>
+        <p:spPr>
+          <a:xfrm>
+            <a:off x="838200" y="365125"/>
+            <a:ext cx="10515600" cy="1034017"/>
+          </a:xfrm>
+        </p:spPr>
+        <p:txBody>
+          <a:bodyPr/>
+          <a:lstStyle/>
+          <a:p>
+            <a:r>
+              <a:rPr lang="es-ES" b="1" u="sng" dirty="0" smtClean="0">
+                <a:solidFill>
+                  <a:schemeClr val="accent1">
+                    <a:lumMod val="75000"/>
+                  </a:schemeClr>
+                </a:solidFill>
+                <a:latin typeface="Arial" panose="020B0604020202020204" pitchFamily="34" charset="0"/>
+                <a:cs typeface="Arial" panose="020B0604020202020204" pitchFamily="34" charset="0"/>
+              </a:rPr>
+              <a:t>Índice:</a:t>
+            </a:r>
+            <a:endParaRPr lang="es-ES" b="1" u="sng" dirty="0">
+              <a:solidFill>
+                <a:schemeClr val="accent1">
+                  <a:lumMod val="75000"/>
+                </a:schemeClr>
+              </a:solidFill>
+              <a:latin typeface="Arial" panose="020B0604020202020204" pitchFamily="34" charset="0"/>
+              <a:cs typeface="Arial" panose="020B0604020202020204" pitchFamily="34" charset="0"/>
+            </a:endParaRPr>
           </a:p>
         </p:txBody>
       </p:sp>
@@ -3437,66 +3855,137 @@
             <p:ph idx="1"/>
           </p:nvPr>
         </p:nvSpPr>
-        <p:spPr/>
-        <p:txBody>
-          <a:bodyPr/>
-          <a:lstStyle/>
-          <a:p>
-            <a:r>
-              <a:rPr lang="es-ES" dirty="0" smtClean="0"/>
+        <p:spPr>
+          <a:xfrm>
+            <a:off x="838200" y="1509311"/>
+            <a:ext cx="10515600" cy="4667652"/>
+          </a:xfrm>
+        </p:spPr>
+        <p:txBody>
+          <a:bodyPr>
+            <a:normAutofit lnSpcReduction="10000"/>
+          </a:bodyPr>
+          <a:lstStyle/>
+          <a:p>
+            <a:r>
+              <a:rPr lang="es-ES" dirty="0" smtClean="0">
+                <a:latin typeface="Arial" panose="020B0604020202020204" pitchFamily="34" charset="0"/>
+                <a:cs typeface="Arial" panose="020B0604020202020204" pitchFamily="34" charset="0"/>
+              </a:rPr>
               <a:t>Resumen de la práctica.</a:t>
             </a:r>
           </a:p>
           <a:p>
             <a:r>
-              <a:rPr lang="es-ES" dirty="0" smtClean="0"/>
+              <a:rPr lang="es-ES" dirty="0" smtClean="0">
+                <a:latin typeface="Arial" panose="020B0604020202020204" pitchFamily="34" charset="0"/>
+                <a:cs typeface="Arial" panose="020B0604020202020204" pitchFamily="34" charset="0"/>
+              </a:rPr>
               <a:t>Diagrama UML.</a:t>
             </a:r>
           </a:p>
           <a:p>
             <a:r>
-              <a:rPr lang="es-ES" dirty="0" smtClean="0"/>
+              <a:rPr lang="es-ES" dirty="0" smtClean="0">
+                <a:latin typeface="Arial" panose="020B0604020202020204" pitchFamily="34" charset="0"/>
+                <a:cs typeface="Arial" panose="020B0604020202020204" pitchFamily="34" charset="0"/>
+              </a:rPr>
               <a:t>Implementación.</a:t>
             </a:r>
           </a:p>
           <a:p>
             <a:r>
-              <a:rPr lang="es-ES" dirty="0" smtClean="0"/>
+              <a:rPr lang="es-ES" dirty="0" smtClean="0">
+                <a:latin typeface="Arial" panose="020B0604020202020204" pitchFamily="34" charset="0"/>
+                <a:cs typeface="Arial" panose="020B0604020202020204" pitchFamily="34" charset="0"/>
+              </a:rPr>
               <a:t>Descripción de problemas.</a:t>
             </a:r>
           </a:p>
           <a:p>
             <a:pPr lvl="1"/>
             <a:r>
-              <a:rPr lang="es-ES" dirty="0" smtClean="0"/>
+              <a:rPr lang="es-ES" dirty="0" smtClean="0">
+                <a:latin typeface="Arial" panose="020B0604020202020204" pitchFamily="34" charset="0"/>
+                <a:cs typeface="Arial" panose="020B0604020202020204" pitchFamily="34" charset="0"/>
+              </a:rPr>
               <a:t>Problemas de implementación.</a:t>
             </a:r>
           </a:p>
           <a:p>
             <a:pPr lvl="1"/>
             <a:r>
-              <a:rPr lang="es-ES" dirty="0" smtClean="0"/>
+              <a:rPr lang="es-ES" dirty="0" smtClean="0">
+                <a:latin typeface="Arial" panose="020B0604020202020204" pitchFamily="34" charset="0"/>
+                <a:cs typeface="Arial" panose="020B0604020202020204" pitchFamily="34" charset="0"/>
+              </a:rPr>
               <a:t>Problemas con el equipo.</a:t>
             </a:r>
           </a:p>
           <a:p>
             <a:r>
-              <a:rPr lang="es-ES" dirty="0" smtClean="0"/>
-              <a:t>Ejemplo de ejecución.</a:t>
-            </a:r>
-          </a:p>
-          <a:p>
-            <a:r>
-              <a:rPr lang="es-ES" dirty="0" smtClean="0"/>
+              <a:rPr lang="es-ES" dirty="0" smtClean="0">
+                <a:latin typeface="Arial" panose="020B0604020202020204" pitchFamily="34" charset="0"/>
+                <a:cs typeface="Arial" panose="020B0604020202020204" pitchFamily="34" charset="0"/>
+              </a:rPr>
+              <a:t>Ejemplo de ejecución</a:t>
+            </a:r>
+            <a:r>
+              <a:rPr lang="es-ES" dirty="0" smtClean="0">
+                <a:latin typeface="Arial" panose="020B0604020202020204" pitchFamily="34" charset="0"/>
+                <a:cs typeface="Arial" panose="020B0604020202020204" pitchFamily="34" charset="0"/>
+              </a:rPr>
+              <a:t>.</a:t>
+            </a:r>
+          </a:p>
+          <a:p>
+            <a:r>
+              <a:rPr lang="es-ES" dirty="0">
+                <a:latin typeface="Arial" panose="020B0604020202020204" pitchFamily="34" charset="0"/>
+                <a:cs typeface="Arial" panose="020B0604020202020204" pitchFamily="34" charset="0"/>
+              </a:rPr>
+              <a:t>Prueba con </a:t>
+            </a:r>
+            <a:r>
+              <a:rPr lang="es-ES" dirty="0" err="1">
+                <a:latin typeface="Arial" panose="020B0604020202020204" pitchFamily="34" charset="0"/>
+                <a:cs typeface="Arial" panose="020B0604020202020204" pitchFamily="34" charset="0"/>
+              </a:rPr>
+              <a:t>IntelliJ</a:t>
+            </a:r>
+            <a:r>
+              <a:rPr lang="es-ES" dirty="0">
+                <a:latin typeface="Arial" panose="020B0604020202020204" pitchFamily="34" charset="0"/>
+                <a:cs typeface="Arial" panose="020B0604020202020204" pitchFamily="34" charset="0"/>
+              </a:rPr>
+              <a:t> Idea:</a:t>
+            </a:r>
+            <a:endParaRPr lang="es-ES" dirty="0" smtClean="0">
+              <a:latin typeface="Arial" panose="020B0604020202020204" pitchFamily="34" charset="0"/>
+              <a:cs typeface="Arial" panose="020B0604020202020204" pitchFamily="34" charset="0"/>
+            </a:endParaRPr>
+          </a:p>
+          <a:p>
+            <a:r>
+              <a:rPr lang="es-ES" dirty="0" smtClean="0">
+                <a:latin typeface="Arial" panose="020B0604020202020204" pitchFamily="34" charset="0"/>
+                <a:cs typeface="Arial" panose="020B0604020202020204" pitchFamily="34" charset="0"/>
+              </a:rPr>
               <a:t>Páginas consultadas.</a:t>
             </a:r>
           </a:p>
           <a:p>
             <a:r>
-              <a:rPr lang="es-ES" dirty="0" smtClean="0"/>
+              <a:rPr lang="es-ES" dirty="0" smtClean="0">
+                <a:latin typeface="Arial" panose="020B0604020202020204" pitchFamily="34" charset="0"/>
+                <a:cs typeface="Arial" panose="020B0604020202020204" pitchFamily="34" charset="0"/>
+              </a:rPr>
               <a:t>Conclusiones.</a:t>
             </a:r>
-            <a:endParaRPr lang="es-ES" dirty="0"/>
+            <a:endParaRPr lang="es-ES" dirty="0">
+              <a:latin typeface="Arial" panose="020B0604020202020204" pitchFamily="34" charset="0"/>
+              <a:cs typeface="Arial" panose="020B0604020202020204" pitchFamily="34" charset="0"/>
+            </a:endParaRPr>
           </a:p>
         </p:txBody>
       </p:sp>
@@ -3545,11 +4034,28 @@
           <a:bodyPr/>
           <a:lstStyle/>
           <a:p>
-            <a:r>
-              <a:rPr lang="es-ES" dirty="0" smtClean="0"/>
+            <a:pPr algn="just"/>
+            <a:r>
+              <a:rPr lang="es-ES" b="1" u="sng" dirty="0" smtClean="0">
+                <a:solidFill>
+                  <a:schemeClr val="accent1">
+                    <a:lumMod val="75000"/>
+                  </a:schemeClr>
+                </a:solidFill>
+                <a:latin typeface="Arial" panose="020B0604020202020204" pitchFamily="34" charset="0"/>
+                <a:cs typeface="Arial" panose="020B0604020202020204" pitchFamily="34" charset="0"/>
+              </a:rPr>
               <a:t>Resumen de la práctica:</a:t>
             </a:r>
-            <a:endParaRPr lang="es-ES" dirty="0"/>
+            <a:endParaRPr lang="es-ES" b="1" u="sng" dirty="0">
+              <a:solidFill>
+                <a:schemeClr val="accent1">
+                  <a:lumMod val="75000"/>
+                </a:schemeClr>
+              </a:solidFill>
+              <a:latin typeface="Arial" panose="020B0604020202020204" pitchFamily="34" charset="0"/>
+              <a:cs typeface="Arial" panose="020B0604020202020204" pitchFamily="34" charset="0"/>
+            </a:endParaRPr>
           </a:p>
         </p:txBody>
       </p:sp>
@@ -3572,7 +4078,10 @@
               <a:buNone/>
             </a:pPr>
             <a:r>
-              <a:rPr lang="es-ES" dirty="0" smtClean="0"/>
+              <a:rPr lang="es-ES" dirty="0" smtClean="0">
+                <a:latin typeface="Arial" panose="020B0604020202020204" pitchFamily="34" charset="0"/>
+                <a:cs typeface="Arial" panose="020B0604020202020204" pitchFamily="34" charset="0"/>
+              </a:rPr>
               <a:t>La práctica consiste en el desarrollo de una aplicación básica en Java para la simulación del funcionamiento de un mercado de valores, donde están involucrados dos objetos principales, la bolsa de valores y el banco.</a:t>
             </a:r>
           </a:p>
@@ -3581,31 +4090,46 @@
               <a:buNone/>
             </a:pPr>
             <a:r>
-              <a:rPr lang="es-ES" dirty="0" smtClean="0"/>
+              <a:rPr lang="es-ES" dirty="0" smtClean="0">
+                <a:latin typeface="Arial" panose="020B0604020202020204" pitchFamily="34" charset="0"/>
+                <a:cs typeface="Arial" panose="020B0604020202020204" pitchFamily="34" charset="0"/>
+              </a:rPr>
               <a:t>Para ello se deben aplicar los conceptos aprendidos durante el desarrollo de la asignatura, tales como:</a:t>
             </a:r>
           </a:p>
           <a:p>
             <a:pPr algn="just"/>
             <a:r>
-              <a:rPr lang="es-ES" dirty="0" smtClean="0"/>
+              <a:rPr lang="es-ES" dirty="0" smtClean="0">
+                <a:latin typeface="Arial" panose="020B0604020202020204" pitchFamily="34" charset="0"/>
+                <a:cs typeface="Arial" panose="020B0604020202020204" pitchFamily="34" charset="0"/>
+              </a:rPr>
               <a:t>Herencia de clases.</a:t>
             </a:r>
           </a:p>
           <a:p>
             <a:pPr algn="just"/>
             <a:r>
-              <a:rPr lang="es-ES" dirty="0" smtClean="0"/>
+              <a:rPr lang="es-ES" dirty="0" smtClean="0">
+                <a:latin typeface="Arial" panose="020B0604020202020204" pitchFamily="34" charset="0"/>
+                <a:cs typeface="Arial" panose="020B0604020202020204" pitchFamily="34" charset="0"/>
+              </a:rPr>
               <a:t>Polimorfismo.</a:t>
             </a:r>
           </a:p>
           <a:p>
             <a:pPr algn="just"/>
             <a:r>
-              <a:rPr lang="es-ES" dirty="0" smtClean="0"/>
+              <a:rPr lang="es-ES" dirty="0" smtClean="0">
+                <a:latin typeface="Arial" panose="020B0604020202020204" pitchFamily="34" charset="0"/>
+                <a:cs typeface="Arial" panose="020B0604020202020204" pitchFamily="34" charset="0"/>
+              </a:rPr>
               <a:t>Programación basada en objetos.</a:t>
             </a:r>
-            <a:endParaRPr lang="es-ES" dirty="0"/>
+            <a:endParaRPr lang="es-ES" dirty="0">
+              <a:latin typeface="Arial" panose="020B0604020202020204" pitchFamily="34" charset="0"/>
+              <a:cs typeface="Arial" panose="020B0604020202020204" pitchFamily="34" charset="0"/>
+            </a:endParaRPr>
           </a:p>
         </p:txBody>
       </p:sp>
@@ -3654,11 +4178,40 @@
           <a:bodyPr/>
           <a:lstStyle/>
           <a:p>
-            <a:r>
-              <a:rPr lang="es-ES" dirty="0" smtClean="0"/>
-              <a:t>Diagrama UML</a:t>
-            </a:r>
-            <a:endParaRPr lang="es-ES" dirty="0"/>
+            <a:pPr algn="just"/>
+            <a:r>
+              <a:rPr lang="es-ES" b="1" u="sng" dirty="0" smtClean="0">
+                <a:solidFill>
+                  <a:schemeClr val="accent1">
+                    <a:lumMod val="75000"/>
+                  </a:schemeClr>
+                </a:solidFill>
+                <a:latin typeface="Arial" panose="020B0604020202020204" pitchFamily="34" charset="0"/>
+                <a:cs typeface="Arial" panose="020B0604020202020204" pitchFamily="34" charset="0"/>
+              </a:rPr>
+              <a:t>Diagrama </a:t>
+            </a:r>
+            <a:r>
+              <a:rPr lang="es-ES" b="1" u="sng" dirty="0" smtClean="0">
+                <a:solidFill>
+                  <a:schemeClr val="accent1">
+                    <a:lumMod val="75000"/>
+                  </a:schemeClr>
+                </a:solidFill>
+                <a:latin typeface="Arial" panose="020B0604020202020204" pitchFamily="34" charset="0"/>
+                <a:cs typeface="Arial" panose="020B0604020202020204" pitchFamily="34" charset="0"/>
+              </a:rPr>
+              <a:t>UML:</a:t>
+            </a:r>
+            <a:endParaRPr lang="es-ES" b="1" u="sng" dirty="0">
+              <a:solidFill>
+                <a:schemeClr val="accent1">
+                  <a:lumMod val="75000"/>
+                </a:schemeClr>
+              </a:solidFill>
+              <a:latin typeface="Arial" panose="020B0604020202020204" pitchFamily="34" charset="0"/>
+              <a:cs typeface="Arial" panose="020B0604020202020204" pitchFamily="34" charset="0"/>
+            </a:endParaRPr>
           </a:p>
         </p:txBody>
       </p:sp>
@@ -3675,7 +4228,7 @@
         <p:spPr>
           <a:xfrm>
             <a:off x="838200" y="1825625"/>
-            <a:ext cx="2521945" cy="4351338"/>
+            <a:ext cx="3328686" cy="2538031"/>
           </a:xfrm>
         </p:spPr>
         <p:txBody>
@@ -3686,15 +4239,21 @@
               <a:buNone/>
             </a:pPr>
             <a:r>
-              <a:rPr lang="es-ES" dirty="0" smtClean="0"/>
+              <a:rPr lang="es-ES" dirty="0" smtClean="0">
+                <a:latin typeface="Arial" panose="020B0604020202020204" pitchFamily="34" charset="0"/>
+                <a:cs typeface="Arial" panose="020B0604020202020204" pitchFamily="34" charset="0"/>
+              </a:rPr>
               <a:t>Para la realización de la práctica me he apoyado en el diagrama facilitado en el enunciado:</a:t>
             </a:r>
           </a:p>
           <a:p>
-            <a:pPr marL="0" indent="0">
+            <a:pPr marL="0" indent="0" algn="just">
               <a:buNone/>
             </a:pPr>
-            <a:endParaRPr lang="es-ES" dirty="0"/>
+            <a:endParaRPr lang="es-ES" dirty="0">
+              <a:latin typeface="Arial" panose="020B0604020202020204" pitchFamily="34" charset="0"/>
+              <a:cs typeface="Arial" panose="020B0604020202020204" pitchFamily="34" charset="0"/>
+            </a:endParaRPr>
           </a:p>
         </p:txBody>
       </p:sp>
@@ -3714,8 +4273,8 @@
         </p:blipFill>
         <p:spPr>
           <a:xfrm>
-            <a:off x="3832428" y="1690688"/>
-            <a:ext cx="7521372" cy="4439077"/>
+            <a:off x="4490976" y="1690689"/>
+            <a:ext cx="6862823" cy="4050405"/>
           </a:xfrm>
           <a:prstGeom prst="rect">
             <a:avLst/>
@@ -3767,11 +4326,28 @@
           <a:bodyPr/>
           <a:lstStyle/>
           <a:p>
-            <a:r>
-              <a:rPr lang="es-ES" dirty="0" smtClean="0"/>
+            <a:pPr algn="just"/>
+            <a:r>
+              <a:rPr lang="es-ES" b="1" u="sng" dirty="0" smtClean="0">
+                <a:solidFill>
+                  <a:schemeClr val="accent1">
+                    <a:lumMod val="75000"/>
+                  </a:schemeClr>
+                </a:solidFill>
+                <a:latin typeface="Arial" panose="020B0604020202020204" pitchFamily="34" charset="0"/>
+                <a:cs typeface="Arial" panose="020B0604020202020204" pitchFamily="34" charset="0"/>
+              </a:rPr>
               <a:t>Implementación:</a:t>
             </a:r>
-            <a:endParaRPr lang="es-ES" dirty="0"/>
+            <a:endParaRPr lang="es-ES" b="1" u="sng" dirty="0">
+              <a:solidFill>
+                <a:schemeClr val="accent1">
+                  <a:lumMod val="75000"/>
+                </a:schemeClr>
+              </a:solidFill>
+              <a:latin typeface="Arial" panose="020B0604020202020204" pitchFamily="34" charset="0"/>
+              <a:cs typeface="Arial" panose="020B0604020202020204" pitchFamily="34" charset="0"/>
+            </a:endParaRPr>
           </a:p>
         </p:txBody>
       </p:sp>
@@ -3799,7 +4375,10 @@
               <a:buNone/>
             </a:pPr>
             <a:r>
-              <a:rPr lang="es-ES" dirty="0" smtClean="0"/>
+              <a:rPr lang="es-ES" dirty="0" smtClean="0">
+                <a:latin typeface="Arial" panose="020B0604020202020204" pitchFamily="34" charset="0"/>
+                <a:cs typeface="Arial" panose="020B0604020202020204" pitchFamily="34" charset="0"/>
+              </a:rPr>
               <a:t>Para la implementación de la práctica he seguido las indicaciones descritas en el enunciado de la misma.</a:t>
             </a:r>
           </a:p>
@@ -3808,14 +4387,12 @@
               <a:buNone/>
             </a:pPr>
             <a:r>
-              <a:rPr lang="es-ES" dirty="0" smtClean="0"/>
-              <a:t>Lo primero fue crear todos los paquetes y todas las clases vacías para, posteriormente rellenarlas</a:t>
-            </a:r>
-            <a:r>
-              <a:rPr lang="es-ES" dirty="0" smtClean="0"/>
-              <a:t>.</a:t>
-            </a:r>
-            <a:endParaRPr lang="es-ES" dirty="0" smtClean="0"/>
+              <a:rPr lang="es-ES" dirty="0" smtClean="0">
+                <a:latin typeface="Arial" panose="020B0604020202020204" pitchFamily="34" charset="0"/>
+                <a:cs typeface="Arial" panose="020B0604020202020204" pitchFamily="34" charset="0"/>
+              </a:rPr>
+              <a:t>Lo primero fue crear todos los paquetes y todas las clases vacías para, posteriormente rellenarlas.</a:t>
+            </a:r>
           </a:p>
         </p:txBody>
       </p:sp>
@@ -3899,12 +4476,11 @@
               <a:buNone/>
             </a:pPr>
             <a:r>
-              <a:rPr lang="es-ES" dirty="0" smtClean="0"/>
-              <a:t>Posteriormente he procedido a la creación de los métodos básicos, tales como el main, el simulador, y algunas de las utilidades</a:t>
-            </a:r>
-            <a:r>
-              <a:rPr lang="es-ES" dirty="0" smtClean="0"/>
-              <a:t>.</a:t>
+              <a:rPr lang="es-ES" dirty="0" smtClean="0">
+                <a:latin typeface="Arial" panose="020B0604020202020204" pitchFamily="34" charset="0"/>
+                <a:cs typeface="Arial" panose="020B0604020202020204" pitchFamily="34" charset="0"/>
+              </a:rPr>
+              <a:t>Posteriormente he procedido a la creación de los métodos básicos, tales como el main, el simulador, y algunas de las utilidades.</a:t>
             </a:r>
           </a:p>
         </p:txBody>
@@ -3925,7 +4501,7 @@
         </p:blipFill>
         <p:spPr>
           <a:xfrm>
-            <a:off x="5726440" y="1261890"/>
+            <a:off x="5620147" y="1261890"/>
             <a:ext cx="2740898" cy="1559193"/>
           </a:xfrm>
           <a:prstGeom prst="rect">
@@ -3950,7 +4526,7 @@
         <p:spPr>
           <a:xfrm>
             <a:off x="968290" y="1261890"/>
-            <a:ext cx="4503558" cy="4455864"/>
+            <a:ext cx="4222933" cy="4178211"/>
           </a:xfrm>
           <a:prstGeom prst="rect">
             <a:avLst/>
@@ -3991,8 +4567,8 @@
         </p:nvSpPr>
         <p:spPr>
           <a:xfrm>
-            <a:off x="5629619" y="3833870"/>
-            <a:ext cx="6191750" cy="2688116"/>
+            <a:off x="5321312" y="3775997"/>
+            <a:ext cx="6531752" cy="2688116"/>
           </a:xfrm>
           <a:prstGeom prst="rect">
             <a:avLst/>
@@ -4172,7 +4748,10 @@
               <a:buNone/>
             </a:pPr>
             <a:r>
-              <a:rPr lang="es-ES" sz="2100" dirty="0" smtClean="0"/>
+              <a:rPr lang="es-ES" sz="2000" dirty="0" smtClean="0">
+                <a:latin typeface="Arial" panose="020B0604020202020204" pitchFamily="34" charset="0"/>
+                <a:cs typeface="Arial" panose="020B0604020202020204" pitchFamily="34" charset="0"/>
+              </a:rPr>
               <a:t>Lo siguiente ha sido definir las herencias de cada una de las clases:</a:t>
             </a:r>
           </a:p>
@@ -4182,7 +4761,10 @@
               <a:buNone/>
             </a:pPr>
             <a:r>
-              <a:rPr lang="es-ES" sz="2100" dirty="0" smtClean="0"/>
+              <a:rPr lang="es-ES" sz="2000" dirty="0" smtClean="0">
+                <a:latin typeface="Arial" panose="020B0604020202020204" pitchFamily="34" charset="0"/>
+                <a:cs typeface="Arial" panose="020B0604020202020204" pitchFamily="34" charset="0"/>
+              </a:rPr>
               <a:t>-De persona a GestorDeInversiones y Cliente.</a:t>
             </a:r>
           </a:p>
@@ -4192,7 +4774,10 @@
               <a:buNone/>
             </a:pPr>
             <a:r>
-              <a:rPr lang="es-ES" sz="2100" dirty="0" smtClean="0"/>
+              <a:rPr lang="es-ES" sz="2000" dirty="0" smtClean="0">
+                <a:latin typeface="Arial" panose="020B0604020202020204" pitchFamily="34" charset="0"/>
+                <a:cs typeface="Arial" panose="020B0604020202020204" pitchFamily="34" charset="0"/>
+              </a:rPr>
               <a:t>-De cliente a clientePremium.</a:t>
             </a:r>
           </a:p>
@@ -4201,44 +4786,70 @@
               <a:buNone/>
             </a:pPr>
             <a:r>
-              <a:rPr lang="es-ES" sz="2100" dirty="0" smtClean="0"/>
+              <a:rPr lang="es-ES" sz="2000" dirty="0" smtClean="0">
+                <a:latin typeface="Arial" panose="020B0604020202020204" pitchFamily="34" charset="0"/>
+                <a:cs typeface="Arial" panose="020B0604020202020204" pitchFamily="34" charset="0"/>
+              </a:rPr>
               <a:t>-De Mensajes a Mensaje[</a:t>
             </a:r>
             <a:r>
-              <a:rPr lang="es-ES" sz="2100" dirty="0" err="1" smtClean="0"/>
+              <a:rPr lang="es-ES" sz="2000" dirty="0" err="1" smtClean="0">
+                <a:latin typeface="Arial" panose="020B0604020202020204" pitchFamily="34" charset="0"/>
+                <a:cs typeface="Arial" panose="020B0604020202020204" pitchFamily="34" charset="0"/>
+              </a:rPr>
               <a:t>Actualizacion</a:t>
             </a:r>
             <a:r>
-              <a:rPr lang="es-ES" sz="2100" dirty="0" smtClean="0"/>
+              <a:rPr lang="es-ES" sz="2000" dirty="0" smtClean="0">
+                <a:latin typeface="Arial" panose="020B0604020202020204" pitchFamily="34" charset="0"/>
+                <a:cs typeface="Arial" panose="020B0604020202020204" pitchFamily="34" charset="0"/>
+              </a:rPr>
               <a:t>/Compra/Venta].</a:t>
             </a:r>
-            <a:endParaRPr lang="es-ES" sz="2100" dirty="0"/>
+            <a:endParaRPr lang="es-ES" sz="2000" dirty="0">
+              <a:latin typeface="Arial" panose="020B0604020202020204" pitchFamily="34" charset="0"/>
+              <a:cs typeface="Arial" panose="020B0604020202020204" pitchFamily="34" charset="0"/>
+            </a:endParaRPr>
           </a:p>
           <a:p>
             <a:pPr marL="0" indent="0" algn="just">
               <a:buNone/>
             </a:pPr>
             <a:r>
-              <a:rPr lang="es-ES" sz="2100" dirty="0" smtClean="0"/>
+              <a:rPr lang="es-ES" sz="2000" dirty="0" smtClean="0">
+                <a:latin typeface="Arial" panose="020B0604020202020204" pitchFamily="34" charset="0"/>
+                <a:cs typeface="Arial" panose="020B0604020202020204" pitchFamily="34" charset="0"/>
+              </a:rPr>
               <a:t>-De Mensaje[</a:t>
             </a:r>
             <a:r>
-              <a:rPr lang="es-ES" sz="2100" dirty="0" err="1" smtClean="0"/>
+              <a:rPr lang="es-ES" sz="2000" dirty="0" err="1" smtClean="0">
+                <a:latin typeface="Arial" panose="020B0604020202020204" pitchFamily="34" charset="0"/>
+                <a:cs typeface="Arial" panose="020B0604020202020204" pitchFamily="34" charset="0"/>
+              </a:rPr>
               <a:t>Actualizacion</a:t>
             </a:r>
             <a:r>
-              <a:rPr lang="es-ES" sz="2100" dirty="0" smtClean="0"/>
+              <a:rPr lang="es-ES" sz="2000" dirty="0" smtClean="0">
+                <a:latin typeface="Arial" panose="020B0604020202020204" pitchFamily="34" charset="0"/>
+                <a:cs typeface="Arial" panose="020B0604020202020204" pitchFamily="34" charset="0"/>
+              </a:rPr>
               <a:t>/Compra/Venta] a MensajeRespuesta[</a:t>
             </a:r>
             <a:r>
-              <a:rPr lang="es-ES" sz="2100" dirty="0" err="1" smtClean="0"/>
+              <a:rPr lang="es-ES" sz="2000" dirty="0" err="1" smtClean="0">
+                <a:latin typeface="Arial" panose="020B0604020202020204" pitchFamily="34" charset="0"/>
+                <a:cs typeface="Arial" panose="020B0604020202020204" pitchFamily="34" charset="0"/>
+              </a:rPr>
               <a:t>Actualizacion</a:t>
             </a:r>
             <a:r>
-              <a:rPr lang="es-ES" sz="2100" dirty="0" smtClean="0"/>
+              <a:rPr lang="es-ES" sz="2000" dirty="0" smtClean="0">
+                <a:latin typeface="Arial" panose="020B0604020202020204" pitchFamily="34" charset="0"/>
+                <a:cs typeface="Arial" panose="020B0604020202020204" pitchFamily="34" charset="0"/>
+              </a:rPr>
               <a:t>/Compra/Venta].</a:t>
             </a:r>
-            <a:endParaRPr lang="es-ES" sz="2100" dirty="0" smtClean="0"/>
           </a:p>
         </p:txBody>
       </p:sp>
@@ -4298,36 +4909,82 @@
               <a:buNone/>
             </a:pPr>
             <a:r>
-              <a:rPr lang="es-ES" dirty="0" smtClean="0"/>
-              <a:t>A continuación he implementado los atributos y constructores tanto de los objetos principales, bolsa y banco, como de los objetos que usan.</a:t>
+              <a:rPr lang="es-ES" dirty="0" smtClean="0">
+                <a:latin typeface="Arial" panose="020B0604020202020204" pitchFamily="34" charset="0"/>
+                <a:cs typeface="Arial" panose="020B0604020202020204" pitchFamily="34" charset="0"/>
+              </a:rPr>
+              <a:t>A continuación he implementado los </a:t>
+            </a:r>
+            <a:r>
+              <a:rPr lang="es-ES" dirty="0" smtClean="0">
+                <a:latin typeface="Arial" panose="020B0604020202020204" pitchFamily="34" charset="0"/>
+                <a:cs typeface="Arial" panose="020B0604020202020204" pitchFamily="34" charset="0"/>
+              </a:rPr>
+              <a:t>atributos y los  constructores de </a:t>
+            </a:r>
+            <a:r>
+              <a:rPr lang="es-ES" dirty="0" smtClean="0">
+                <a:latin typeface="Arial" panose="020B0604020202020204" pitchFamily="34" charset="0"/>
+                <a:cs typeface="Arial" panose="020B0604020202020204" pitchFamily="34" charset="0"/>
+              </a:rPr>
+              <a:t>los objetos </a:t>
+            </a:r>
+            <a:r>
+              <a:rPr lang="es-ES" dirty="0" smtClean="0">
+                <a:latin typeface="Arial" panose="020B0604020202020204" pitchFamily="34" charset="0"/>
+                <a:cs typeface="Arial" panose="020B0604020202020204" pitchFamily="34" charset="0"/>
+              </a:rPr>
+              <a:t>principales ( la bolsa </a:t>
+            </a:r>
+            <a:r>
+              <a:rPr lang="es-ES" dirty="0" smtClean="0">
+                <a:latin typeface="Arial" panose="020B0604020202020204" pitchFamily="34" charset="0"/>
+                <a:cs typeface="Arial" panose="020B0604020202020204" pitchFamily="34" charset="0"/>
+              </a:rPr>
+              <a:t>y </a:t>
+            </a:r>
+            <a:r>
+              <a:rPr lang="es-ES" dirty="0" smtClean="0">
+                <a:latin typeface="Arial" panose="020B0604020202020204" pitchFamily="34" charset="0"/>
+                <a:cs typeface="Arial" panose="020B0604020202020204" pitchFamily="34" charset="0"/>
+              </a:rPr>
+              <a:t>el banco) y de </a:t>
+            </a:r>
+            <a:r>
+              <a:rPr lang="es-ES" dirty="0" smtClean="0">
+                <a:latin typeface="Arial" panose="020B0604020202020204" pitchFamily="34" charset="0"/>
+                <a:cs typeface="Arial" panose="020B0604020202020204" pitchFamily="34" charset="0"/>
+              </a:rPr>
+              <a:t>los objetos que usan.</a:t>
             </a:r>
           </a:p>
           <a:p>
             <a:pPr marL="0" indent="0" algn="just">
               <a:buNone/>
             </a:pPr>
-            <a:endParaRPr lang="es-ES" dirty="0" smtClean="0"/>
+            <a:endParaRPr lang="es-ES" dirty="0" smtClean="0">
+              <a:latin typeface="Arial" panose="020B0604020202020204" pitchFamily="34" charset="0"/>
+              <a:cs typeface="Arial" panose="020B0604020202020204" pitchFamily="34" charset="0"/>
+            </a:endParaRPr>
           </a:p>
           <a:p>
             <a:pPr marL="0" indent="0" algn="just">
               <a:buNone/>
             </a:pPr>
             <a:r>
-              <a:rPr lang="es-ES" dirty="0" smtClean="0"/>
-              <a:t>Después </a:t>
-            </a:r>
-            <a:r>
-              <a:rPr lang="es-ES" dirty="0" smtClean="0"/>
-              <a:t>he procedido a desarrollar cada uno de los métodos necesarios para el funcionamiento de la aplicación</a:t>
-            </a:r>
-            <a:r>
-              <a:rPr lang="es-ES" dirty="0" smtClean="0"/>
-              <a:t>.</a:t>
-            </a:r>
-            <a:endParaRPr lang="es-ES" dirty="0" smtClean="0"/>
-          </a:p>
-          <a:p>
-            <a:endParaRPr lang="es-ES" dirty="0"/>
+              <a:rPr lang="es-ES" dirty="0" smtClean="0">
+                <a:latin typeface="Arial" panose="020B0604020202020204" pitchFamily="34" charset="0"/>
+                <a:cs typeface="Arial" panose="020B0604020202020204" pitchFamily="34" charset="0"/>
+              </a:rPr>
+              <a:t>Después he procedido a desarrollar cada uno de los métodos necesarios para el funcionamiento de la aplicación.</a:t>
+            </a:r>
+          </a:p>
+          <a:p>
+            <a:pPr algn="just"/>
+            <a:endParaRPr lang="es-ES" dirty="0">
+              <a:latin typeface="Arial" panose="020B0604020202020204" pitchFamily="34" charset="0"/>
+              <a:cs typeface="Arial" panose="020B0604020202020204" pitchFamily="34" charset="0"/>
+            </a:endParaRPr>
           </a:p>
         </p:txBody>
       </p:sp>
@@ -4424,11 +5081,40 @@
           <a:bodyPr/>
           <a:lstStyle/>
           <a:p>
-            <a:r>
-              <a:rPr lang="es-ES" dirty="0" smtClean="0"/>
-              <a:t>Descripción de problemas</a:t>
-            </a:r>
-            <a:endParaRPr lang="es-ES" dirty="0"/>
+            <a:pPr algn="just"/>
+            <a:r>
+              <a:rPr lang="es-ES" b="1" u="sng" dirty="0" smtClean="0">
+                <a:solidFill>
+                  <a:schemeClr val="accent1">
+                    <a:lumMod val="75000"/>
+                  </a:schemeClr>
+                </a:solidFill>
+                <a:latin typeface="Arial" panose="020B0604020202020204" pitchFamily="34" charset="0"/>
+                <a:cs typeface="Arial" panose="020B0604020202020204" pitchFamily="34" charset="0"/>
+              </a:rPr>
+              <a:t>Descripción de </a:t>
+            </a:r>
+            <a:r>
+              <a:rPr lang="es-ES" b="1" u="sng" dirty="0" smtClean="0">
+                <a:solidFill>
+                  <a:schemeClr val="accent1">
+                    <a:lumMod val="75000"/>
+                  </a:schemeClr>
+                </a:solidFill>
+                <a:latin typeface="Arial" panose="020B0604020202020204" pitchFamily="34" charset="0"/>
+                <a:cs typeface="Arial" panose="020B0604020202020204" pitchFamily="34" charset="0"/>
+              </a:rPr>
+              <a:t>problemas:</a:t>
+            </a:r>
+            <a:endParaRPr lang="es-ES" b="1" u="sng" dirty="0">
+              <a:solidFill>
+                <a:schemeClr val="accent1">
+                  <a:lumMod val="75000"/>
+                </a:schemeClr>
+              </a:solidFill>
+              <a:latin typeface="Arial" panose="020B0604020202020204" pitchFamily="34" charset="0"/>
+              <a:cs typeface="Arial" panose="020B0604020202020204" pitchFamily="34" charset="0"/>
+            </a:endParaRPr>
           </a:p>
         </p:txBody>
       </p:sp>
@@ -4449,29 +5135,42 @@
           </a:bodyPr>
           <a:lstStyle/>
           <a:p>
-            <a:r>
-              <a:rPr lang="es-ES" dirty="0" smtClean="0"/>
+            <a:pPr algn="just"/>
+            <a:r>
+              <a:rPr lang="es-ES" u="sng" dirty="0" smtClean="0">
+                <a:latin typeface="Arial" panose="020B0604020202020204" pitchFamily="34" charset="0"/>
+                <a:cs typeface="Arial" panose="020B0604020202020204" pitchFamily="34" charset="0"/>
+              </a:rPr>
               <a:t>Problemas de implementación:</a:t>
             </a:r>
           </a:p>
           <a:p>
-            <a:pPr marL="0" indent="0">
+            <a:pPr marL="0" indent="0" algn="just">
               <a:buNone/>
             </a:pPr>
             <a:r>
-              <a:rPr lang="es-ES" dirty="0" smtClean="0"/>
+              <a:rPr lang="es-ES" dirty="0" smtClean="0">
+                <a:latin typeface="Arial" panose="020B0604020202020204" pitchFamily="34" charset="0"/>
+                <a:cs typeface="Arial" panose="020B0604020202020204" pitchFamily="34" charset="0"/>
+              </a:rPr>
               <a:t>El principal problema para mi ha sido comprender que hacía cada objeto, es decir, donde iba cada método, y como establecer una correcta comunicación entre ellos.</a:t>
             </a:r>
           </a:p>
           <a:p>
-            <a:pPr marL="0" indent="0">
+            <a:pPr marL="0" indent="0" algn="just">
               <a:buNone/>
             </a:pPr>
             <a:r>
-              <a:rPr lang="es-ES" dirty="0" smtClean="0"/>
+              <a:rPr lang="es-ES" dirty="0" smtClean="0">
+                <a:latin typeface="Arial" panose="020B0604020202020204" pitchFamily="34" charset="0"/>
+                <a:cs typeface="Arial" panose="020B0604020202020204" pitchFamily="34" charset="0"/>
+              </a:rPr>
               <a:t>Para solventarlo he copiado el UML en papel, para poder tener una vista más general para el desarrollo, añadiéndole fragmentos del enunciado, para que así me resultara más fácil aclararme.</a:t>
             </a:r>
-            <a:endParaRPr lang="es-ES" dirty="0"/>
+            <a:endParaRPr lang="es-ES" dirty="0">
+              <a:latin typeface="Arial" panose="020B0604020202020204" pitchFamily="34" charset="0"/>
+              <a:cs typeface="Arial" panose="020B0604020202020204" pitchFamily="34" charset="0"/>
+            </a:endParaRPr>
           </a:p>
         </p:txBody>
       </p:sp>
@@ -4529,7 +5228,10 @@
           <a:p>
             <a:pPr algn="just"/>
             <a:r>
-              <a:rPr lang="es-ES" dirty="0" smtClean="0"/>
+              <a:rPr lang="es-ES" u="sng" dirty="0" smtClean="0">
+                <a:latin typeface="Arial" panose="020B0604020202020204" pitchFamily="34" charset="0"/>
+                <a:cs typeface="Arial" panose="020B0604020202020204" pitchFamily="34" charset="0"/>
+              </a:rPr>
               <a:t>Problemas con el equipo:</a:t>
             </a:r>
           </a:p>
@@ -4538,7 +5240,10 @@
               <a:buNone/>
             </a:pPr>
             <a:r>
-              <a:rPr lang="es-ES" dirty="0" smtClean="0"/>
+              <a:rPr lang="es-ES" dirty="0" smtClean="0">
+                <a:latin typeface="Arial" panose="020B0604020202020204" pitchFamily="34" charset="0"/>
+                <a:cs typeface="Arial" panose="020B0604020202020204" pitchFamily="34" charset="0"/>
+              </a:rPr>
               <a:t>El mayor problema que he tenido ha sido el equipo.</a:t>
             </a:r>
           </a:p>
@@ -4547,7 +5252,10 @@
               <a:buNone/>
             </a:pPr>
             <a:r>
-              <a:rPr lang="es-ES" dirty="0" smtClean="0"/>
+              <a:rPr lang="es-ES" dirty="0" smtClean="0">
+                <a:latin typeface="Arial" panose="020B0604020202020204" pitchFamily="34" charset="0"/>
+                <a:cs typeface="Arial" panose="020B0604020202020204" pitchFamily="34" charset="0"/>
+              </a:rPr>
               <a:t>Uno de los miembros ha tenido problemas con su matrícula, siéndole imposible, por temas burocráticos, poder finalmente matricularse, por lo que ha decidido no contribuir, y matricularse más adelante.</a:t>
             </a:r>
           </a:p>
@@ -4556,7 +5264,10 @@
               <a:buNone/>
             </a:pPr>
             <a:r>
-              <a:rPr lang="es-ES" dirty="0" smtClean="0"/>
+              <a:rPr lang="es-ES" dirty="0" smtClean="0">
+                <a:latin typeface="Arial" panose="020B0604020202020204" pitchFamily="34" charset="0"/>
+                <a:cs typeface="Arial" panose="020B0604020202020204" pitchFamily="34" charset="0"/>
+              </a:rPr>
               <a:t>El otro miembro del equipo simplemente ha cortado el contacto desde enero de este año. Durante el mes de mayo he sido capaz de volver a establecer contacto, pero solo para indicarme que va a dejar la asignatura de lado, y que ya volverá a cursarla en otro momento.</a:t>
             </a:r>
           </a:p>
@@ -4565,10 +5276,16 @@
               <a:buNone/>
             </a:pPr>
             <a:r>
-              <a:rPr lang="es-ES" dirty="0" smtClean="0"/>
+              <a:rPr lang="es-ES" dirty="0" smtClean="0">
+                <a:latin typeface="Arial" panose="020B0604020202020204" pitchFamily="34" charset="0"/>
+                <a:cs typeface="Arial" panose="020B0604020202020204" pitchFamily="34" charset="0"/>
+              </a:rPr>
               <a:t>Quedándome así, sola para el desarrollo de la práctica.</a:t>
             </a:r>
-            <a:endParaRPr lang="es-ES" dirty="0"/>
+            <a:endParaRPr lang="es-ES" dirty="0">
+              <a:latin typeface="Arial" panose="020B0604020202020204" pitchFamily="34" charset="0"/>
+              <a:cs typeface="Arial" panose="020B0604020202020204" pitchFamily="34" charset="0"/>
+            </a:endParaRPr>
           </a:p>
         </p:txBody>
       </p:sp>

--- a/poo.pptx
+++ b/poo.pptx
@@ -119,7 +119,7 @@
   </p:defaultTextStyle>
   <p:extLst>
     <p:ext uri="{EFAFB233-063F-42B5-8137-9DF3F51BA10A}">
-      <p15:sldGuideLst xmlns:p15="http://schemas.microsoft.com/office/powerpoint/2012/main"/>
+      <p15:sldGuideLst xmlns:p15="http://schemas.microsoft.com/office/powerpoint/2012/main" xmlns=""/>
     </p:ext>
   </p:extLst>
 </p:presentation>
@@ -256,6 +256,7 @@
           <a:p>
             <a:fld id="{2A5197CD-B4FD-424B-AE7B-75CBDAF8AC01}" type="datetimeFigureOut">
               <a:rPr lang="es-ES" smtClean="0"/>
+              <a:pPr/>
               <a:t>11/06/2018</a:t>
             </a:fld>
             <a:endParaRPr lang="es-ES"/>
@@ -298,6 +299,7 @@
           <a:p>
             <a:fld id="{20AE2BA9-E560-4878-81B5-EA0DA2E4455C}" type="slidenum">
               <a:rPr lang="es-ES" smtClean="0"/>
+              <a:pPr/>
               <a:t>‹Nº›</a:t>
             </a:fld>
             <a:endParaRPr lang="es-ES"/>
@@ -307,7 +309,7 @@
     </p:spTree>
     <p:extLst>
       <p:ext uri="{BB962C8B-B14F-4D97-AF65-F5344CB8AC3E}">
-        <p14:creationId xmlns:p14="http://schemas.microsoft.com/office/powerpoint/2010/main" val="200631640"/>
+        <p14:creationId xmlns:p14="http://schemas.microsoft.com/office/powerpoint/2010/main" xmlns="" val="200631640"/>
       </p:ext>
     </p:extLst>
   </p:cSld>
@@ -426,6 +428,7 @@
           <a:p>
             <a:fld id="{2A5197CD-B4FD-424B-AE7B-75CBDAF8AC01}" type="datetimeFigureOut">
               <a:rPr lang="es-ES" smtClean="0"/>
+              <a:pPr/>
               <a:t>11/06/2018</a:t>
             </a:fld>
             <a:endParaRPr lang="es-ES"/>
@@ -468,6 +471,7 @@
           <a:p>
             <a:fld id="{20AE2BA9-E560-4878-81B5-EA0DA2E4455C}" type="slidenum">
               <a:rPr lang="es-ES" smtClean="0"/>
+              <a:pPr/>
               <a:t>‹Nº›</a:t>
             </a:fld>
             <a:endParaRPr lang="es-ES"/>
@@ -477,7 +481,7 @@
     </p:spTree>
     <p:extLst>
       <p:ext uri="{BB962C8B-B14F-4D97-AF65-F5344CB8AC3E}">
-        <p14:creationId xmlns:p14="http://schemas.microsoft.com/office/powerpoint/2010/main" val="3919988151"/>
+        <p14:creationId xmlns:p14="http://schemas.microsoft.com/office/powerpoint/2010/main" xmlns="" val="3919988151"/>
       </p:ext>
     </p:extLst>
   </p:cSld>
@@ -606,6 +610,7 @@
           <a:p>
             <a:fld id="{2A5197CD-B4FD-424B-AE7B-75CBDAF8AC01}" type="datetimeFigureOut">
               <a:rPr lang="es-ES" smtClean="0"/>
+              <a:pPr/>
               <a:t>11/06/2018</a:t>
             </a:fld>
             <a:endParaRPr lang="es-ES"/>
@@ -648,6 +653,7 @@
           <a:p>
             <a:fld id="{20AE2BA9-E560-4878-81B5-EA0DA2E4455C}" type="slidenum">
               <a:rPr lang="es-ES" smtClean="0"/>
+              <a:pPr/>
               <a:t>‹Nº›</a:t>
             </a:fld>
             <a:endParaRPr lang="es-ES"/>
@@ -657,7 +663,7 @@
     </p:spTree>
     <p:extLst>
       <p:ext uri="{BB962C8B-B14F-4D97-AF65-F5344CB8AC3E}">
-        <p14:creationId xmlns:p14="http://schemas.microsoft.com/office/powerpoint/2010/main" val="1829156217"/>
+        <p14:creationId xmlns:p14="http://schemas.microsoft.com/office/powerpoint/2010/main" xmlns="" val="1829156217"/>
       </p:ext>
     </p:extLst>
   </p:cSld>
@@ -776,6 +782,7 @@
           <a:p>
             <a:fld id="{2A5197CD-B4FD-424B-AE7B-75CBDAF8AC01}" type="datetimeFigureOut">
               <a:rPr lang="es-ES" smtClean="0"/>
+              <a:pPr/>
               <a:t>11/06/2018</a:t>
             </a:fld>
             <a:endParaRPr lang="es-ES"/>
@@ -818,6 +825,7 @@
           <a:p>
             <a:fld id="{20AE2BA9-E560-4878-81B5-EA0DA2E4455C}" type="slidenum">
               <a:rPr lang="es-ES" smtClean="0"/>
+              <a:pPr/>
               <a:t>‹Nº›</a:t>
             </a:fld>
             <a:endParaRPr lang="es-ES"/>
@@ -827,7 +835,7 @@
     </p:spTree>
     <p:extLst>
       <p:ext uri="{BB962C8B-B14F-4D97-AF65-F5344CB8AC3E}">
-        <p14:creationId xmlns:p14="http://schemas.microsoft.com/office/powerpoint/2010/main" val="1732730709"/>
+        <p14:creationId xmlns:p14="http://schemas.microsoft.com/office/powerpoint/2010/main" xmlns="" val="1732730709"/>
       </p:ext>
     </p:extLst>
   </p:cSld>
@@ -1022,6 +1030,7 @@
           <a:p>
             <a:fld id="{2A5197CD-B4FD-424B-AE7B-75CBDAF8AC01}" type="datetimeFigureOut">
               <a:rPr lang="es-ES" smtClean="0"/>
+              <a:pPr/>
               <a:t>11/06/2018</a:t>
             </a:fld>
             <a:endParaRPr lang="es-ES"/>
@@ -1064,6 +1073,7 @@
           <a:p>
             <a:fld id="{20AE2BA9-E560-4878-81B5-EA0DA2E4455C}" type="slidenum">
               <a:rPr lang="es-ES" smtClean="0"/>
+              <a:pPr/>
               <a:t>‹Nº›</a:t>
             </a:fld>
             <a:endParaRPr lang="es-ES"/>
@@ -1073,7 +1083,7 @@
     </p:spTree>
     <p:extLst>
       <p:ext uri="{BB962C8B-B14F-4D97-AF65-F5344CB8AC3E}">
-        <p14:creationId xmlns:p14="http://schemas.microsoft.com/office/powerpoint/2010/main" val="4030296106"/>
+        <p14:creationId xmlns:p14="http://schemas.microsoft.com/office/powerpoint/2010/main" xmlns="" val="4030296106"/>
       </p:ext>
     </p:extLst>
   </p:cSld>
@@ -1254,6 +1264,7 @@
           <a:p>
             <a:fld id="{2A5197CD-B4FD-424B-AE7B-75CBDAF8AC01}" type="datetimeFigureOut">
               <a:rPr lang="es-ES" smtClean="0"/>
+              <a:pPr/>
               <a:t>11/06/2018</a:t>
             </a:fld>
             <a:endParaRPr lang="es-ES"/>
@@ -1296,6 +1307,7 @@
           <a:p>
             <a:fld id="{20AE2BA9-E560-4878-81B5-EA0DA2E4455C}" type="slidenum">
               <a:rPr lang="es-ES" smtClean="0"/>
+              <a:pPr/>
               <a:t>‹Nº›</a:t>
             </a:fld>
             <a:endParaRPr lang="es-ES"/>
@@ -1305,7 +1317,7 @@
     </p:spTree>
     <p:extLst>
       <p:ext uri="{BB962C8B-B14F-4D97-AF65-F5344CB8AC3E}">
-        <p14:creationId xmlns:p14="http://schemas.microsoft.com/office/powerpoint/2010/main" val="717321327"/>
+        <p14:creationId xmlns:p14="http://schemas.microsoft.com/office/powerpoint/2010/main" xmlns="" val="717321327"/>
       </p:ext>
     </p:extLst>
   </p:cSld>
@@ -1621,6 +1633,7 @@
           <a:p>
             <a:fld id="{2A5197CD-B4FD-424B-AE7B-75CBDAF8AC01}" type="datetimeFigureOut">
               <a:rPr lang="es-ES" smtClean="0"/>
+              <a:pPr/>
               <a:t>11/06/2018</a:t>
             </a:fld>
             <a:endParaRPr lang="es-ES"/>
@@ -1663,6 +1676,7 @@
           <a:p>
             <a:fld id="{20AE2BA9-E560-4878-81B5-EA0DA2E4455C}" type="slidenum">
               <a:rPr lang="es-ES" smtClean="0"/>
+              <a:pPr/>
               <a:t>‹Nº›</a:t>
             </a:fld>
             <a:endParaRPr lang="es-ES"/>
@@ -1672,7 +1686,7 @@
     </p:spTree>
     <p:extLst>
       <p:ext uri="{BB962C8B-B14F-4D97-AF65-F5344CB8AC3E}">
-        <p14:creationId xmlns:p14="http://schemas.microsoft.com/office/powerpoint/2010/main" val="3368990671"/>
+        <p14:creationId xmlns:p14="http://schemas.microsoft.com/office/powerpoint/2010/main" xmlns="" val="3368990671"/>
       </p:ext>
     </p:extLst>
   </p:cSld>
@@ -1739,6 +1753,7 @@
           <a:p>
             <a:fld id="{2A5197CD-B4FD-424B-AE7B-75CBDAF8AC01}" type="datetimeFigureOut">
               <a:rPr lang="es-ES" smtClean="0"/>
+              <a:pPr/>
               <a:t>11/06/2018</a:t>
             </a:fld>
             <a:endParaRPr lang="es-ES"/>
@@ -1781,6 +1796,7 @@
           <a:p>
             <a:fld id="{20AE2BA9-E560-4878-81B5-EA0DA2E4455C}" type="slidenum">
               <a:rPr lang="es-ES" smtClean="0"/>
+              <a:pPr/>
               <a:t>‹Nº›</a:t>
             </a:fld>
             <a:endParaRPr lang="es-ES"/>
@@ -1790,7 +1806,7 @@
     </p:spTree>
     <p:extLst>
       <p:ext uri="{BB962C8B-B14F-4D97-AF65-F5344CB8AC3E}">
-        <p14:creationId xmlns:p14="http://schemas.microsoft.com/office/powerpoint/2010/main" val="431417724"/>
+        <p14:creationId xmlns:p14="http://schemas.microsoft.com/office/powerpoint/2010/main" xmlns="" val="431417724"/>
       </p:ext>
     </p:extLst>
   </p:cSld>
@@ -1834,6 +1850,7 @@
           <a:p>
             <a:fld id="{2A5197CD-B4FD-424B-AE7B-75CBDAF8AC01}" type="datetimeFigureOut">
               <a:rPr lang="es-ES" smtClean="0"/>
+              <a:pPr/>
               <a:t>11/06/2018</a:t>
             </a:fld>
             <a:endParaRPr lang="es-ES"/>
@@ -1876,6 +1893,7 @@
           <a:p>
             <a:fld id="{20AE2BA9-E560-4878-81B5-EA0DA2E4455C}" type="slidenum">
               <a:rPr lang="es-ES" smtClean="0"/>
+              <a:pPr/>
               <a:t>‹Nº›</a:t>
             </a:fld>
             <a:endParaRPr lang="es-ES"/>
@@ -1885,7 +1903,7 @@
     </p:spTree>
     <p:extLst>
       <p:ext uri="{BB962C8B-B14F-4D97-AF65-F5344CB8AC3E}">
-        <p14:creationId xmlns:p14="http://schemas.microsoft.com/office/powerpoint/2010/main" val="848268944"/>
+        <p14:creationId xmlns:p14="http://schemas.microsoft.com/office/powerpoint/2010/main" xmlns="" val="848268944"/>
       </p:ext>
     </p:extLst>
   </p:cSld>
@@ -2111,6 +2129,7 @@
           <a:p>
             <a:fld id="{2A5197CD-B4FD-424B-AE7B-75CBDAF8AC01}" type="datetimeFigureOut">
               <a:rPr lang="es-ES" smtClean="0"/>
+              <a:pPr/>
               <a:t>11/06/2018</a:t>
             </a:fld>
             <a:endParaRPr lang="es-ES"/>
@@ -2153,6 +2172,7 @@
           <a:p>
             <a:fld id="{20AE2BA9-E560-4878-81B5-EA0DA2E4455C}" type="slidenum">
               <a:rPr lang="es-ES" smtClean="0"/>
+              <a:pPr/>
               <a:t>‹Nº›</a:t>
             </a:fld>
             <a:endParaRPr lang="es-ES"/>
@@ -2162,7 +2182,7 @@
     </p:spTree>
     <p:extLst>
       <p:ext uri="{BB962C8B-B14F-4D97-AF65-F5344CB8AC3E}">
-        <p14:creationId xmlns:p14="http://schemas.microsoft.com/office/powerpoint/2010/main" val="3033620765"/>
+        <p14:creationId xmlns:p14="http://schemas.microsoft.com/office/powerpoint/2010/main" xmlns="" val="3033620765"/>
       </p:ext>
     </p:extLst>
   </p:cSld>
@@ -2364,6 +2384,7 @@
           <a:p>
             <a:fld id="{2A5197CD-B4FD-424B-AE7B-75CBDAF8AC01}" type="datetimeFigureOut">
               <a:rPr lang="es-ES" smtClean="0"/>
+              <a:pPr/>
               <a:t>11/06/2018</a:t>
             </a:fld>
             <a:endParaRPr lang="es-ES"/>
@@ -2406,6 +2427,7 @@
           <a:p>
             <a:fld id="{20AE2BA9-E560-4878-81B5-EA0DA2E4455C}" type="slidenum">
               <a:rPr lang="es-ES" smtClean="0"/>
+              <a:pPr/>
               <a:t>‹Nº›</a:t>
             </a:fld>
             <a:endParaRPr lang="es-ES"/>
@@ -2415,7 +2437,7 @@
     </p:spTree>
     <p:extLst>
       <p:ext uri="{BB962C8B-B14F-4D97-AF65-F5344CB8AC3E}">
-        <p14:creationId xmlns:p14="http://schemas.microsoft.com/office/powerpoint/2010/main" val="1692034139"/>
+        <p14:creationId xmlns:p14="http://schemas.microsoft.com/office/powerpoint/2010/main" xmlns="" val="1692034139"/>
       </p:ext>
     </p:extLst>
   </p:cSld>
@@ -2597,6 +2619,7 @@
           <a:p>
             <a:fld id="{2A5197CD-B4FD-424B-AE7B-75CBDAF8AC01}" type="datetimeFigureOut">
               <a:rPr lang="es-ES" smtClean="0"/>
+              <a:pPr/>
               <a:t>11/06/2018</a:t>
             </a:fld>
             <a:endParaRPr lang="es-ES"/>
@@ -2675,6 +2698,7 @@
           <a:p>
             <a:fld id="{20AE2BA9-E560-4878-81B5-EA0DA2E4455C}" type="slidenum">
               <a:rPr lang="es-ES" smtClean="0"/>
+              <a:pPr/>
               <a:t>‹Nº›</a:t>
             </a:fld>
             <a:endParaRPr lang="es-ES"/>
@@ -2684,7 +2708,7 @@
     </p:spTree>
     <p:extLst>
       <p:ext uri="{BB962C8B-B14F-4D97-AF65-F5344CB8AC3E}">
-        <p14:creationId xmlns:p14="http://schemas.microsoft.com/office/powerpoint/2010/main" val="2174444542"/>
+        <p14:creationId xmlns:p14="http://schemas.microsoft.com/office/powerpoint/2010/main" xmlns="" val="2174444542"/>
       </p:ext>
     </p:extLst>
   </p:cSld>
@@ -3045,17 +3069,7 @@
                 <a:latin typeface="Arial" panose="020B0604020202020204" pitchFamily="34" charset="0"/>
                 <a:cs typeface="Arial" panose="020B0604020202020204" pitchFamily="34" charset="0"/>
               </a:rPr>
-              <a:t>Doble </a:t>
-            </a:r>
-            <a:r>
-              <a:rPr lang="es-ES" sz="2800" b="1" dirty="0" smtClean="0">
-                <a:solidFill>
-                  <a:srgbClr val="245A8C"/>
-                </a:solidFill>
-                <a:latin typeface="Arial" panose="020B0604020202020204" pitchFamily="34" charset="0"/>
-                <a:cs typeface="Arial" panose="020B0604020202020204" pitchFamily="34" charset="0"/>
-              </a:rPr>
-              <a:t>Grado en Ingeniería Informática e Ingeniería del Software.</a:t>
+              <a:t>Doble Grado en Ingeniería Informática e Ingeniería del Software.</a:t>
             </a:r>
           </a:p>
           <a:p>
@@ -3146,7 +3160,7 @@
     </p:spTree>
     <p:extLst>
       <p:ext uri="{BB962C8B-B14F-4D97-AF65-F5344CB8AC3E}">
-        <p14:creationId xmlns:p14="http://schemas.microsoft.com/office/powerpoint/2010/main" val="635328324"/>
+        <p14:creationId xmlns:p14="http://schemas.microsoft.com/office/powerpoint/2010/main" xmlns="" val="635328324"/>
       </p:ext>
     </p:extLst>
   </p:cSld>
@@ -3248,10 +3262,106 @@
           </a:p>
         </p:txBody>
       </p:sp>
+      <p:pic>
+        <p:nvPicPr>
+          <p:cNvPr id="1027" name="Picture 3"/>
+          <p:cNvPicPr>
+            <a:picLocks noChangeAspect="1" noChangeArrowheads="1"/>
+          </p:cNvPicPr>
+          <p:nvPr/>
+        </p:nvPicPr>
+        <p:blipFill>
+          <a:blip r:embed="rId2" cstate="print"/>
+          <a:srcRect/>
+          <a:stretch>
+            <a:fillRect/>
+          </a:stretch>
+        </p:blipFill>
+        <p:spPr bwMode="auto">
+          <a:xfrm>
+            <a:off x="4303260" y="2371539"/>
+            <a:ext cx="3324225" cy="4086225"/>
+          </a:xfrm>
+          <a:prstGeom prst="rect">
+            <a:avLst/>
+          </a:prstGeom>
+          <a:noFill/>
+          <a:ln w="9525">
+            <a:noFill/>
+            <a:miter lim="800000"/>
+            <a:headEnd/>
+            <a:tailEnd/>
+          </a:ln>
+        </p:spPr>
+      </p:pic>
+      <p:pic>
+        <p:nvPicPr>
+          <p:cNvPr id="1028" name="Picture 4"/>
+          <p:cNvPicPr>
+            <a:picLocks noChangeAspect="1" noChangeArrowheads="1"/>
+          </p:cNvPicPr>
+          <p:nvPr/>
+        </p:nvPicPr>
+        <p:blipFill>
+          <a:blip r:embed="rId3" cstate="print"/>
+          <a:srcRect/>
+          <a:stretch>
+            <a:fillRect/>
+          </a:stretch>
+        </p:blipFill>
+        <p:spPr bwMode="auto">
+          <a:xfrm>
+            <a:off x="7923069" y="2681906"/>
+            <a:ext cx="3162300" cy="2847975"/>
+          </a:xfrm>
+          <a:prstGeom prst="rect">
+            <a:avLst/>
+          </a:prstGeom>
+          <a:noFill/>
+          <a:ln w="9525">
+            <a:noFill/>
+            <a:miter lim="800000"/>
+            <a:headEnd/>
+            <a:tailEnd/>
+          </a:ln>
+        </p:spPr>
+      </p:pic>
+      <p:pic>
+        <p:nvPicPr>
+          <p:cNvPr id="1029" name="Picture 5"/>
+          <p:cNvPicPr>
+            <a:picLocks noChangeAspect="1" noChangeArrowheads="1"/>
+          </p:cNvPicPr>
+          <p:nvPr/>
+        </p:nvPicPr>
+        <p:blipFill>
+          <a:blip r:embed="rId4" cstate="print"/>
+          <a:srcRect/>
+          <a:stretch>
+            <a:fillRect/>
+          </a:stretch>
+        </p:blipFill>
+        <p:spPr bwMode="auto">
+          <a:xfrm>
+            <a:off x="1225818" y="2573976"/>
+            <a:ext cx="2828925" cy="3657600"/>
+          </a:xfrm>
+          <a:prstGeom prst="rect">
+            <a:avLst/>
+          </a:prstGeom>
+          <a:noFill/>
+          <a:ln w="9525">
+            <a:noFill/>
+            <a:miter lim="800000"/>
+            <a:headEnd/>
+            <a:tailEnd/>
+          </a:ln>
+        </p:spPr>
+      </p:pic>
     </p:spTree>
     <p:extLst>
       <p:ext uri="{BB962C8B-B14F-4D97-AF65-F5344CB8AC3E}">
-        <p14:creationId xmlns:p14="http://schemas.microsoft.com/office/powerpoint/2010/main" val="2828312382"/>
+        <p14:creationId xmlns:p14="http://schemas.microsoft.com/office/powerpoint/2010/main" xmlns="" val="2828312382"/>
       </p:ext>
     </p:extLst>
   </p:cSld>
@@ -3278,10 +3388,298 @@
           <a:chExt cx="0" cy="0"/>
         </a:xfrm>
       </p:grpSpPr>
+      <p:pic>
+        <p:nvPicPr>
+          <p:cNvPr id="2050" name="Picture 2"/>
+          <p:cNvPicPr>
+            <a:picLocks noChangeAspect="1" noChangeArrowheads="1"/>
+          </p:cNvPicPr>
+          <p:nvPr/>
+        </p:nvPicPr>
+        <p:blipFill>
+          <a:blip r:embed="rId2" cstate="print"/>
+          <a:srcRect/>
+          <a:stretch>
+            <a:fillRect/>
+          </a:stretch>
+        </p:blipFill>
+        <p:spPr bwMode="auto">
+          <a:xfrm>
+            <a:off x="447428" y="268867"/>
+            <a:ext cx="3386316" cy="811788"/>
+          </a:xfrm>
+          <a:prstGeom prst="rect">
+            <a:avLst/>
+          </a:prstGeom>
+          <a:noFill/>
+          <a:ln w="9525">
+            <a:noFill/>
+            <a:miter lim="800000"/>
+            <a:headEnd/>
+            <a:tailEnd/>
+          </a:ln>
+        </p:spPr>
+      </p:pic>
+      <p:pic>
+        <p:nvPicPr>
+          <p:cNvPr id="2051" name="Picture 3"/>
+          <p:cNvPicPr>
+            <a:picLocks noChangeAspect="1" noChangeArrowheads="1"/>
+          </p:cNvPicPr>
+          <p:nvPr/>
+        </p:nvPicPr>
+        <p:blipFill>
+          <a:blip r:embed="rId3" cstate="print"/>
+          <a:srcRect/>
+          <a:stretch>
+            <a:fillRect/>
+          </a:stretch>
+        </p:blipFill>
+        <p:spPr bwMode="auto">
+          <a:xfrm>
+            <a:off x="481817" y="1141516"/>
+            <a:ext cx="3295650" cy="5372100"/>
+          </a:xfrm>
+          <a:prstGeom prst="rect">
+            <a:avLst/>
+          </a:prstGeom>
+          <a:noFill/>
+          <a:ln w="9525">
+            <a:noFill/>
+            <a:miter lim="800000"/>
+            <a:headEnd/>
+            <a:tailEnd/>
+          </a:ln>
+        </p:spPr>
+      </p:pic>
+      <p:pic>
+        <p:nvPicPr>
+          <p:cNvPr id="2052" name="Picture 4"/>
+          <p:cNvPicPr>
+            <a:picLocks noChangeAspect="1" noChangeArrowheads="1"/>
+          </p:cNvPicPr>
+          <p:nvPr/>
+        </p:nvPicPr>
+        <p:blipFill>
+          <a:blip r:embed="rId4" cstate="print"/>
+          <a:srcRect/>
+          <a:stretch>
+            <a:fillRect/>
+          </a:stretch>
+        </p:blipFill>
+        <p:spPr bwMode="auto">
+          <a:xfrm>
+            <a:off x="4167807" y="501857"/>
+            <a:ext cx="3378198" cy="958808"/>
+          </a:xfrm>
+          <a:prstGeom prst="rect">
+            <a:avLst/>
+          </a:prstGeom>
+          <a:noFill/>
+          <a:ln w="9525">
+            <a:noFill/>
+            <a:miter lim="800000"/>
+            <a:headEnd/>
+            <a:tailEnd/>
+          </a:ln>
+        </p:spPr>
+      </p:pic>
+      <p:pic>
+        <p:nvPicPr>
+          <p:cNvPr id="2053" name="Picture 5"/>
+          <p:cNvPicPr>
+            <a:picLocks noChangeAspect="1" noChangeArrowheads="1"/>
+          </p:cNvPicPr>
+          <p:nvPr/>
+        </p:nvPicPr>
+        <p:blipFill>
+          <a:blip r:embed="rId5" cstate="print"/>
+          <a:srcRect/>
+          <a:stretch>
+            <a:fillRect/>
+          </a:stretch>
+        </p:blipFill>
+        <p:spPr bwMode="auto">
+          <a:xfrm>
+            <a:off x="4022953" y="4047937"/>
+            <a:ext cx="3471028" cy="915949"/>
+          </a:xfrm>
+          <a:prstGeom prst="rect">
+            <a:avLst/>
+          </a:prstGeom>
+          <a:noFill/>
+          <a:ln w="9525">
+            <a:noFill/>
+            <a:miter lim="800000"/>
+            <a:headEnd/>
+            <a:tailEnd/>
+          </a:ln>
+        </p:spPr>
+      </p:pic>
+      <p:pic>
+        <p:nvPicPr>
+          <p:cNvPr id="2054" name="Picture 6"/>
+          <p:cNvPicPr>
+            <a:picLocks noChangeAspect="1" noChangeArrowheads="1"/>
+          </p:cNvPicPr>
+          <p:nvPr/>
+        </p:nvPicPr>
+        <p:blipFill>
+          <a:blip r:embed="rId6" cstate="print"/>
+          <a:srcRect/>
+          <a:stretch>
+            <a:fillRect/>
+          </a:stretch>
+        </p:blipFill>
+        <p:spPr bwMode="auto">
+          <a:xfrm>
+            <a:off x="4655125" y="1754209"/>
+            <a:ext cx="1603169" cy="2226678"/>
+          </a:xfrm>
+          <a:prstGeom prst="rect">
+            <a:avLst/>
+          </a:prstGeom>
+          <a:noFill/>
+          <a:ln w="9525">
+            <a:noFill/>
+            <a:miter lim="800000"/>
+            <a:headEnd/>
+            <a:tailEnd/>
+          </a:ln>
+        </p:spPr>
+      </p:pic>
+      <p:pic>
+        <p:nvPicPr>
+          <p:cNvPr id="2055" name="Picture 7"/>
+          <p:cNvPicPr>
+            <a:picLocks noChangeAspect="1" noChangeArrowheads="1"/>
+          </p:cNvPicPr>
+          <p:nvPr/>
+        </p:nvPicPr>
+        <p:blipFill>
+          <a:blip r:embed="rId7" cstate="print"/>
+          <a:srcRect/>
+          <a:stretch>
+            <a:fillRect/>
+          </a:stretch>
+        </p:blipFill>
+        <p:spPr bwMode="auto">
+          <a:xfrm>
+            <a:off x="3907696" y="5151663"/>
+            <a:ext cx="3768533" cy="1142259"/>
+          </a:xfrm>
+          <a:prstGeom prst="rect">
+            <a:avLst/>
+          </a:prstGeom>
+          <a:noFill/>
+          <a:ln w="9525">
+            <a:noFill/>
+            <a:miter lim="800000"/>
+            <a:headEnd/>
+            <a:tailEnd/>
+          </a:ln>
+        </p:spPr>
+      </p:pic>
+      <p:pic>
+        <p:nvPicPr>
+          <p:cNvPr id="10" name="Picture 8"/>
+          <p:cNvPicPr>
+            <a:picLocks noChangeAspect="1" noChangeArrowheads="1"/>
+          </p:cNvPicPr>
+          <p:nvPr/>
+        </p:nvPicPr>
+        <p:blipFill>
+          <a:blip r:embed="rId8" cstate="print"/>
+          <a:srcRect/>
+          <a:stretch>
+            <a:fillRect/>
+          </a:stretch>
+        </p:blipFill>
+        <p:spPr bwMode="auto">
+          <a:xfrm>
+            <a:off x="7715003" y="867269"/>
+            <a:ext cx="3691184" cy="962945"/>
+          </a:xfrm>
+          <a:prstGeom prst="rect">
+            <a:avLst/>
+          </a:prstGeom>
+          <a:noFill/>
+          <a:ln w="9525">
+            <a:noFill/>
+            <a:miter lim="800000"/>
+            <a:headEnd/>
+            <a:tailEnd/>
+          </a:ln>
+        </p:spPr>
+      </p:pic>
+      <p:pic>
+        <p:nvPicPr>
+          <p:cNvPr id="11" name="Picture 9"/>
+          <p:cNvPicPr>
+            <a:picLocks noChangeAspect="1" noChangeArrowheads="1"/>
+          </p:cNvPicPr>
+          <p:nvPr/>
+        </p:nvPicPr>
+        <p:blipFill>
+          <a:blip r:embed="rId9" cstate="print"/>
+          <a:srcRect/>
+          <a:stretch>
+            <a:fillRect/>
+          </a:stretch>
+        </p:blipFill>
+        <p:spPr bwMode="auto">
+          <a:xfrm>
+            <a:off x="8112952" y="1988498"/>
+            <a:ext cx="3018742" cy="2559752"/>
+          </a:xfrm>
+          <a:prstGeom prst="rect">
+            <a:avLst/>
+          </a:prstGeom>
+          <a:noFill/>
+          <a:ln w="9525">
+            <a:noFill/>
+            <a:miter lim="800000"/>
+            <a:headEnd/>
+            <a:tailEnd/>
+          </a:ln>
+        </p:spPr>
+      </p:pic>
+      <p:pic>
+        <p:nvPicPr>
+          <p:cNvPr id="2058" name="Picture 10"/>
+          <p:cNvPicPr>
+            <a:picLocks noChangeAspect="1" noChangeArrowheads="1"/>
+          </p:cNvPicPr>
+          <p:nvPr/>
+        </p:nvPicPr>
+        <p:blipFill>
+          <a:blip r:embed="rId10" cstate="print"/>
+          <a:srcRect/>
+          <a:stretch>
+            <a:fillRect/>
+          </a:stretch>
+        </p:blipFill>
+        <p:spPr bwMode="auto">
+          <a:xfrm>
+            <a:off x="8003474" y="5142015"/>
+            <a:ext cx="3204771" cy="632052"/>
+          </a:xfrm>
+          <a:prstGeom prst="rect">
+            <a:avLst/>
+          </a:prstGeom>
+          <a:noFill/>
+          <a:ln w="9525">
+            <a:noFill/>
+            <a:miter lim="800000"/>
+            <a:headEnd/>
+            <a:tailEnd/>
+          </a:ln>
+        </p:spPr>
+      </p:pic>
     </p:spTree>
     <p:extLst>
       <p:ext uri="{BB962C8B-B14F-4D97-AF65-F5344CB8AC3E}">
-        <p14:creationId xmlns:p14="http://schemas.microsoft.com/office/powerpoint/2010/main" val="874947302"/>
+        <p14:creationId xmlns:p14="http://schemas.microsoft.com/office/powerpoint/2010/main" xmlns="" val="874947302"/>
       </p:ext>
     </p:extLst>
   </p:cSld>
@@ -3404,7 +3802,7 @@
           <a:noFill/>
           <a:extLst>
             <a:ext uri="{909E8E84-426E-40DD-AFC4-6F175D3DCCD1}">
-              <a14:hiddenFill xmlns:a14="http://schemas.microsoft.com/office/drawing/2010/main">
+              <a14:hiddenFill xmlns:a14="http://schemas.microsoft.com/office/drawing/2010/main" xmlns="">
                 <a:solidFill>
                   <a:srgbClr val="FFFFFF"/>
                 </a:solidFill>
@@ -3459,7 +3857,7 @@
           <p:nvPr/>
         </p:nvPicPr>
         <p:blipFill>
-          <a:blip r:embed="rId2"/>
+          <a:blip r:embed="rId2" cstate="print"/>
           <a:stretch>
             <a:fillRect/>
           </a:stretch>
@@ -3477,7 +3875,7 @@
     </p:spTree>
     <p:extLst>
       <p:ext uri="{BB962C8B-B14F-4D97-AF65-F5344CB8AC3E}">
-        <p14:creationId xmlns:p14="http://schemas.microsoft.com/office/powerpoint/2010/main" val="3676323964"/>
+        <p14:creationId xmlns:p14="http://schemas.microsoft.com/office/powerpoint/2010/main" xmlns="" val="3676323964"/>
       </p:ext>
     </p:extLst>
   </p:cSld>
@@ -3530,19 +3928,7 @@
                 <a:latin typeface="Arial" panose="020B0604020202020204" pitchFamily="34" charset="0"/>
                 <a:cs typeface="Arial" panose="020B0604020202020204" pitchFamily="34" charset="0"/>
               </a:rPr>
-              <a:t>Páginas </a:t>
-            </a:r>
-            <a:r>
-              <a:rPr lang="es-ES" b="1" u="sng" dirty="0" smtClean="0">
-                <a:solidFill>
-                  <a:schemeClr val="accent1">
-                    <a:lumMod val="75000"/>
-                  </a:schemeClr>
-                </a:solidFill>
-                <a:latin typeface="Arial" panose="020B0604020202020204" pitchFamily="34" charset="0"/>
-                <a:cs typeface="Arial" panose="020B0604020202020204" pitchFamily="34" charset="0"/>
-              </a:rPr>
-              <a:t>consultadas:</a:t>
+              <a:t>Páginas consultadas:</a:t>
             </a:r>
             <a:endParaRPr lang="es-ES" b="1" u="sng" dirty="0">
               <a:solidFill>
@@ -3591,14 +3977,7 @@
                 <a:latin typeface="Arial" panose="020B0604020202020204" pitchFamily="34" charset="0"/>
                 <a:cs typeface="Arial" panose="020B0604020202020204" pitchFamily="34" charset="0"/>
               </a:rPr>
-              <a:t>Las </a:t>
-            </a:r>
-            <a:r>
-              <a:rPr lang="es-ES" dirty="0" smtClean="0">
-                <a:latin typeface="Arial" panose="020B0604020202020204" pitchFamily="34" charset="0"/>
-                <a:cs typeface="Arial" panose="020B0604020202020204" pitchFamily="34" charset="0"/>
-              </a:rPr>
-              <a:t>páginas que más he consultado para buscar información sobre como realizar alguna acción, o cómo solventar algún problema son, principalmente, dos páginas:</a:t>
+              <a:t>Las páginas que más he consultado para buscar información sobre como realizar alguna acción, o cómo solventar algún problema son, principalmente, dos páginas:</a:t>
             </a:r>
           </a:p>
           <a:p>
@@ -3648,7 +4027,7 @@
     </p:spTree>
     <p:extLst>
       <p:ext uri="{BB962C8B-B14F-4D97-AF65-F5344CB8AC3E}">
-        <p14:creationId xmlns:p14="http://schemas.microsoft.com/office/powerpoint/2010/main" val="2332928886"/>
+        <p14:creationId xmlns:p14="http://schemas.microsoft.com/office/powerpoint/2010/main" xmlns="" val="2332928886"/>
       </p:ext>
     </p:extLst>
   </p:cSld>
@@ -3774,7 +4153,7 @@
     </p:spTree>
     <p:extLst>
       <p:ext uri="{BB962C8B-B14F-4D97-AF65-F5344CB8AC3E}">
-        <p14:creationId xmlns:p14="http://schemas.microsoft.com/office/powerpoint/2010/main" val="2414332184"/>
+        <p14:creationId xmlns:p14="http://schemas.microsoft.com/office/powerpoint/2010/main" xmlns="" val="2414332184"/>
       </p:ext>
     </p:extLst>
   </p:cSld>
@@ -3928,14 +4307,7 @@
                 <a:latin typeface="Arial" panose="020B0604020202020204" pitchFamily="34" charset="0"/>
                 <a:cs typeface="Arial" panose="020B0604020202020204" pitchFamily="34" charset="0"/>
               </a:rPr>
-              <a:t>Ejemplo de ejecución</a:t>
-            </a:r>
-            <a:r>
-              <a:rPr lang="es-ES" dirty="0" smtClean="0">
-                <a:latin typeface="Arial" panose="020B0604020202020204" pitchFamily="34" charset="0"/>
-                <a:cs typeface="Arial" panose="020B0604020202020204" pitchFamily="34" charset="0"/>
-              </a:rPr>
-              <a:t>.</a:t>
+              <a:t>Ejemplo de ejecución.</a:t>
             </a:r>
           </a:p>
           <a:p>
@@ -3992,7 +4364,7 @@
     </p:spTree>
     <p:extLst>
       <p:ext uri="{BB962C8B-B14F-4D97-AF65-F5344CB8AC3E}">
-        <p14:creationId xmlns:p14="http://schemas.microsoft.com/office/powerpoint/2010/main" val="3720885555"/>
+        <p14:creationId xmlns:p14="http://schemas.microsoft.com/office/powerpoint/2010/main" xmlns="" val="3720885555"/>
       </p:ext>
     </p:extLst>
   </p:cSld>
@@ -4136,7 +4508,7 @@
     </p:spTree>
     <p:extLst>
       <p:ext uri="{BB962C8B-B14F-4D97-AF65-F5344CB8AC3E}">
-        <p14:creationId xmlns:p14="http://schemas.microsoft.com/office/powerpoint/2010/main" val="3067886107"/>
+        <p14:creationId xmlns:p14="http://schemas.microsoft.com/office/powerpoint/2010/main" xmlns="" val="3067886107"/>
       </p:ext>
     </p:extLst>
   </p:cSld>
@@ -4189,19 +4561,7 @@
                 <a:latin typeface="Arial" panose="020B0604020202020204" pitchFamily="34" charset="0"/>
                 <a:cs typeface="Arial" panose="020B0604020202020204" pitchFamily="34" charset="0"/>
               </a:rPr>
-              <a:t>Diagrama </a:t>
-            </a:r>
-            <a:r>
-              <a:rPr lang="es-ES" b="1" u="sng" dirty="0" smtClean="0">
-                <a:solidFill>
-                  <a:schemeClr val="accent1">
-                    <a:lumMod val="75000"/>
-                  </a:schemeClr>
-                </a:solidFill>
-                <a:latin typeface="Arial" panose="020B0604020202020204" pitchFamily="34" charset="0"/>
-                <a:cs typeface="Arial" panose="020B0604020202020204" pitchFamily="34" charset="0"/>
-              </a:rPr>
-              <a:t>UML:</a:t>
+              <a:t>Diagrama UML:</a:t>
             </a:r>
             <a:endParaRPr lang="es-ES" b="1" u="sng" dirty="0">
               <a:solidFill>
@@ -4266,7 +4626,7 @@
           <p:nvPr/>
         </p:nvPicPr>
         <p:blipFill>
-          <a:blip r:embed="rId2"/>
+          <a:blip r:embed="rId2" cstate="print"/>
           <a:stretch>
             <a:fillRect/>
           </a:stretch>
@@ -4284,7 +4644,7 @@
     </p:spTree>
     <p:extLst>
       <p:ext uri="{BB962C8B-B14F-4D97-AF65-F5344CB8AC3E}">
-        <p14:creationId xmlns:p14="http://schemas.microsoft.com/office/powerpoint/2010/main" val="3569137647"/>
+        <p14:creationId xmlns:p14="http://schemas.microsoft.com/office/powerpoint/2010/main" xmlns="" val="3569137647"/>
       </p:ext>
     </p:extLst>
   </p:cSld>
@@ -4405,7 +4765,7 @@
           <p:nvPr/>
         </p:nvPicPr>
         <p:blipFill>
-          <a:blip r:embed="rId2"/>
+          <a:blip r:embed="rId2" cstate="print"/>
           <a:stretch>
             <a:fillRect/>
           </a:stretch>
@@ -4423,7 +4783,7 @@
     </p:spTree>
     <p:extLst>
       <p:ext uri="{BB962C8B-B14F-4D97-AF65-F5344CB8AC3E}">
-        <p14:creationId xmlns:p14="http://schemas.microsoft.com/office/powerpoint/2010/main" val="1984402853"/>
+        <p14:creationId xmlns:p14="http://schemas.microsoft.com/office/powerpoint/2010/main" xmlns="" val="1984402853"/>
       </p:ext>
     </p:extLst>
   </p:cSld>
@@ -4494,7 +4854,7 @@
           <p:nvPr/>
         </p:nvPicPr>
         <p:blipFill>
-          <a:blip r:embed="rId2"/>
+          <a:blip r:embed="rId2" cstate="print"/>
           <a:stretch>
             <a:fillRect/>
           </a:stretch>
@@ -4518,7 +4878,7 @@
           <p:nvPr/>
         </p:nvPicPr>
         <p:blipFill>
-          <a:blip r:embed="rId3"/>
+          <a:blip r:embed="rId3" cstate="print"/>
           <a:stretch>
             <a:fillRect/>
           </a:stretch>
@@ -4542,7 +4902,7 @@
           <p:nvPr/>
         </p:nvPicPr>
         <p:blipFill>
-          <a:blip r:embed="rId4"/>
+          <a:blip r:embed="rId4" cstate="print"/>
           <a:stretch>
             <a:fillRect/>
           </a:stretch>
@@ -4856,7 +5216,7 @@
     </p:spTree>
     <p:extLst>
       <p:ext uri="{BB962C8B-B14F-4D97-AF65-F5344CB8AC3E}">
-        <p14:creationId xmlns:p14="http://schemas.microsoft.com/office/powerpoint/2010/main" val="819572733"/>
+        <p14:creationId xmlns:p14="http://schemas.microsoft.com/office/powerpoint/2010/main" xmlns="" val="819572733"/>
       </p:ext>
     </p:extLst>
   </p:cSld>
@@ -4913,49 +5273,7 @@
                 <a:latin typeface="Arial" panose="020B0604020202020204" pitchFamily="34" charset="0"/>
                 <a:cs typeface="Arial" panose="020B0604020202020204" pitchFamily="34" charset="0"/>
               </a:rPr>
-              <a:t>A continuación he implementado los </a:t>
-            </a:r>
-            <a:r>
-              <a:rPr lang="es-ES" dirty="0" smtClean="0">
-                <a:latin typeface="Arial" panose="020B0604020202020204" pitchFamily="34" charset="0"/>
-                <a:cs typeface="Arial" panose="020B0604020202020204" pitchFamily="34" charset="0"/>
-              </a:rPr>
-              <a:t>atributos y los  constructores de </a:t>
-            </a:r>
-            <a:r>
-              <a:rPr lang="es-ES" dirty="0" smtClean="0">
-                <a:latin typeface="Arial" panose="020B0604020202020204" pitchFamily="34" charset="0"/>
-                <a:cs typeface="Arial" panose="020B0604020202020204" pitchFamily="34" charset="0"/>
-              </a:rPr>
-              <a:t>los objetos </a:t>
-            </a:r>
-            <a:r>
-              <a:rPr lang="es-ES" dirty="0" smtClean="0">
-                <a:latin typeface="Arial" panose="020B0604020202020204" pitchFamily="34" charset="0"/>
-                <a:cs typeface="Arial" panose="020B0604020202020204" pitchFamily="34" charset="0"/>
-              </a:rPr>
-              <a:t>principales ( la bolsa </a:t>
-            </a:r>
-            <a:r>
-              <a:rPr lang="es-ES" dirty="0" smtClean="0">
-                <a:latin typeface="Arial" panose="020B0604020202020204" pitchFamily="34" charset="0"/>
-                <a:cs typeface="Arial" panose="020B0604020202020204" pitchFamily="34" charset="0"/>
-              </a:rPr>
-              <a:t>y </a:t>
-            </a:r>
-            <a:r>
-              <a:rPr lang="es-ES" dirty="0" smtClean="0">
-                <a:latin typeface="Arial" panose="020B0604020202020204" pitchFamily="34" charset="0"/>
-                <a:cs typeface="Arial" panose="020B0604020202020204" pitchFamily="34" charset="0"/>
-              </a:rPr>
-              <a:t>el banco) y de </a:t>
-            </a:r>
-            <a:r>
-              <a:rPr lang="es-ES" dirty="0" smtClean="0">
-                <a:latin typeface="Arial" panose="020B0604020202020204" pitchFamily="34" charset="0"/>
-                <a:cs typeface="Arial" panose="020B0604020202020204" pitchFamily="34" charset="0"/>
-              </a:rPr>
-              <a:t>los objetos que usan.</a:t>
+              <a:t>A continuación he implementado los atributos y los  constructores de los objetos principales ( la bolsa y el banco) y de los objetos que usan.</a:t>
             </a:r>
           </a:p>
           <a:p>
@@ -4997,7 +5315,7 @@
           <p:nvPr/>
         </p:nvPicPr>
         <p:blipFill>
-          <a:blip r:embed="rId2"/>
+          <a:blip r:embed="rId2" cstate="print"/>
           <a:stretch>
             <a:fillRect/>
           </a:stretch>
@@ -5021,7 +5339,7 @@
           <p:nvPr/>
         </p:nvPicPr>
         <p:blipFill>
-          <a:blip r:embed="rId3"/>
+          <a:blip r:embed="rId3" cstate="print"/>
           <a:stretch>
             <a:fillRect/>
           </a:stretch>
@@ -5039,7 +5357,7 @@
     </p:spTree>
     <p:extLst>
       <p:ext uri="{BB962C8B-B14F-4D97-AF65-F5344CB8AC3E}">
-        <p14:creationId xmlns:p14="http://schemas.microsoft.com/office/powerpoint/2010/main" val="1769205366"/>
+        <p14:creationId xmlns:p14="http://schemas.microsoft.com/office/powerpoint/2010/main" xmlns="" val="1769205366"/>
       </p:ext>
     </p:extLst>
   </p:cSld>
@@ -5092,19 +5410,7 @@
                 <a:latin typeface="Arial" panose="020B0604020202020204" pitchFamily="34" charset="0"/>
                 <a:cs typeface="Arial" panose="020B0604020202020204" pitchFamily="34" charset="0"/>
               </a:rPr>
-              <a:t>Descripción de </a:t>
-            </a:r>
-            <a:r>
-              <a:rPr lang="es-ES" b="1" u="sng" dirty="0" smtClean="0">
-                <a:solidFill>
-                  <a:schemeClr val="accent1">
-                    <a:lumMod val="75000"/>
-                  </a:schemeClr>
-                </a:solidFill>
-                <a:latin typeface="Arial" panose="020B0604020202020204" pitchFamily="34" charset="0"/>
-                <a:cs typeface="Arial" panose="020B0604020202020204" pitchFamily="34" charset="0"/>
-              </a:rPr>
-              <a:t>problemas:</a:t>
+              <a:t>Descripción de problemas:</a:t>
             </a:r>
             <a:endParaRPr lang="es-ES" b="1" u="sng" dirty="0">
               <a:solidFill>
@@ -5177,7 +5483,7 @@
     </p:spTree>
     <p:extLst>
       <p:ext uri="{BB962C8B-B14F-4D97-AF65-F5344CB8AC3E}">
-        <p14:creationId xmlns:p14="http://schemas.microsoft.com/office/powerpoint/2010/main" val="621973240"/>
+        <p14:creationId xmlns:p14="http://schemas.microsoft.com/office/powerpoint/2010/main" xmlns="" val="621973240"/>
       </p:ext>
     </p:extLst>
   </p:cSld>
@@ -5292,7 +5598,7 @@
     </p:spTree>
     <p:extLst>
       <p:ext uri="{BB962C8B-B14F-4D97-AF65-F5344CB8AC3E}">
-        <p14:creationId xmlns:p14="http://schemas.microsoft.com/office/powerpoint/2010/main" val="4151723851"/>
+        <p14:creationId xmlns:p14="http://schemas.microsoft.com/office/powerpoint/2010/main" xmlns="" val="4151723851"/>
       </p:ext>
     </p:extLst>
   </p:cSld>
@@ -5345,7 +5651,7 @@
     </a:clrScheme>
     <a:fontScheme name="Office">
       <a:majorFont>
-        <a:latin typeface="Calibri Light" panose="020F0302020204030204"/>
+        <a:latin typeface="Calibri Light"/>
         <a:ea typeface=""/>
         <a:cs typeface=""/>
         <a:font script="Jpan" typeface="ＭＳ Ｐゴシック"/>
@@ -5380,7 +5686,7 @@
         <a:font script="Geor" typeface="Sylfaen"/>
       </a:majorFont>
       <a:minorFont>
-        <a:latin typeface="Calibri" panose="020F0502020204030204"/>
+        <a:latin typeface="Calibri"/>
         <a:ea typeface=""/>
         <a:cs typeface=""/>
         <a:font script="Jpan" typeface="ＭＳ Ｐゴシック"/>
@@ -5557,7 +5863,7 @@
   <a:extraClrSchemeLst/>
   <a:extLst>
     <a:ext uri="{05A4C25C-085E-4340-85A3-A5531E510DB2}">
-      <thm15:themeFamily xmlns:thm15="http://schemas.microsoft.com/office/thememl/2012/main" name="Office Theme" id="{62F939B6-93AF-4DB8-9C6B-D6C7DFDC589F}" vid="{4A3C46E8-61CC-4603-A589-7422A47A8E4A}"/>
+      <thm15:themeFamily xmlns:thm15="http://schemas.microsoft.com/office/thememl/2012/main" xmlns="" name="Office Theme" id="{62F939B6-93AF-4DB8-9C6B-D6C7DFDC589F}" vid="{4A3C46E8-61CC-4603-A589-7422A47A8E4A}"/>
     </a:ext>
   </a:extLst>
 </a:theme>
